--- a/Lectures/Lec5/Lec5.pptx
+++ b/Lectures/Lec5/Lec5.pptx
@@ -5,10 +5,10 @@
     <p:sldMasterId id="2147483648" r:id="rId1"/>
   </p:sldMasterIdLst>
   <p:notesMasterIdLst>
-    <p:notesMasterId r:id="rId50"/>
+    <p:notesMasterId r:id="rId49"/>
   </p:notesMasterIdLst>
   <p:handoutMasterIdLst>
-    <p:handoutMasterId r:id="rId51"/>
+    <p:handoutMasterId r:id="rId50"/>
   </p:handoutMasterIdLst>
   <p:sldIdLst>
     <p:sldId id="269" r:id="rId2"/>
@@ -30,35 +30,34 @@
     <p:sldId id="363" r:id="rId18"/>
     <p:sldId id="318" r:id="rId19"/>
     <p:sldId id="319" r:id="rId20"/>
-    <p:sldId id="320" r:id="rId21"/>
-    <p:sldId id="323" r:id="rId22"/>
-    <p:sldId id="322" r:id="rId23"/>
-    <p:sldId id="325" r:id="rId24"/>
-    <p:sldId id="326" r:id="rId25"/>
-    <p:sldId id="327" r:id="rId26"/>
-    <p:sldId id="328" r:id="rId27"/>
-    <p:sldId id="329" r:id="rId28"/>
-    <p:sldId id="330" r:id="rId29"/>
-    <p:sldId id="334" r:id="rId30"/>
-    <p:sldId id="335" r:id="rId31"/>
-    <p:sldId id="336" r:id="rId32"/>
-    <p:sldId id="337" r:id="rId33"/>
-    <p:sldId id="338" r:id="rId34"/>
-    <p:sldId id="339" r:id="rId35"/>
-    <p:sldId id="340" r:id="rId36"/>
-    <p:sldId id="341" r:id="rId37"/>
-    <p:sldId id="342" r:id="rId38"/>
-    <p:sldId id="343" r:id="rId39"/>
-    <p:sldId id="344" r:id="rId40"/>
-    <p:sldId id="345" r:id="rId41"/>
-    <p:sldId id="346" r:id="rId42"/>
-    <p:sldId id="347" r:id="rId43"/>
-    <p:sldId id="348" r:id="rId44"/>
-    <p:sldId id="349" r:id="rId45"/>
-    <p:sldId id="350" r:id="rId46"/>
-    <p:sldId id="351" r:id="rId47"/>
-    <p:sldId id="331" r:id="rId48"/>
-    <p:sldId id="333" r:id="rId49"/>
+    <p:sldId id="323" r:id="rId21"/>
+    <p:sldId id="322" r:id="rId22"/>
+    <p:sldId id="325" r:id="rId23"/>
+    <p:sldId id="326" r:id="rId24"/>
+    <p:sldId id="327" r:id="rId25"/>
+    <p:sldId id="328" r:id="rId26"/>
+    <p:sldId id="329" r:id="rId27"/>
+    <p:sldId id="330" r:id="rId28"/>
+    <p:sldId id="334" r:id="rId29"/>
+    <p:sldId id="335" r:id="rId30"/>
+    <p:sldId id="336" r:id="rId31"/>
+    <p:sldId id="337" r:id="rId32"/>
+    <p:sldId id="338" r:id="rId33"/>
+    <p:sldId id="339" r:id="rId34"/>
+    <p:sldId id="340" r:id="rId35"/>
+    <p:sldId id="341" r:id="rId36"/>
+    <p:sldId id="342" r:id="rId37"/>
+    <p:sldId id="343" r:id="rId38"/>
+    <p:sldId id="344" r:id="rId39"/>
+    <p:sldId id="345" r:id="rId40"/>
+    <p:sldId id="346" r:id="rId41"/>
+    <p:sldId id="347" r:id="rId42"/>
+    <p:sldId id="348" r:id="rId43"/>
+    <p:sldId id="349" r:id="rId44"/>
+    <p:sldId id="350" r:id="rId45"/>
+    <p:sldId id="351" r:id="rId46"/>
+    <p:sldId id="331" r:id="rId47"/>
+    <p:sldId id="333" r:id="rId48"/>
   </p:sldIdLst>
   <p:sldSz cx="9144000" cy="6858000" type="screen4x3"/>
   <p:notesSz cx="6858000" cy="9144000"/>
@@ -1802,7 +1801,7 @@
     </p:spTree>
     <p:extLst>
       <p:ext uri="{BB962C8B-B14F-4D97-AF65-F5344CB8AC3E}">
-        <p14:creationId xmlns:p14="http://schemas.microsoft.com/office/powerpoint/2010/main" val="777185334"/>
+        <p14:creationId xmlns:p14="http://schemas.microsoft.com/office/powerpoint/2010/main" val="544250355"/>
       </p:ext>
     </p:extLst>
   </p:cSld>
@@ -1886,7 +1885,7 @@
     </p:spTree>
     <p:extLst>
       <p:ext uri="{BB962C8B-B14F-4D97-AF65-F5344CB8AC3E}">
-        <p14:creationId xmlns:p14="http://schemas.microsoft.com/office/powerpoint/2010/main" val="544250355"/>
+        <p14:creationId xmlns:p14="http://schemas.microsoft.com/office/powerpoint/2010/main" val="2158312048"/>
       </p:ext>
     </p:extLst>
   </p:cSld>
@@ -1970,7 +1969,7 @@
     </p:spTree>
     <p:extLst>
       <p:ext uri="{BB962C8B-B14F-4D97-AF65-F5344CB8AC3E}">
-        <p14:creationId xmlns:p14="http://schemas.microsoft.com/office/powerpoint/2010/main" val="2158312048"/>
+        <p14:creationId xmlns:p14="http://schemas.microsoft.com/office/powerpoint/2010/main" val="3204165803"/>
       </p:ext>
     </p:extLst>
   </p:cSld>
@@ -2054,7 +2053,7 @@
     </p:spTree>
     <p:extLst>
       <p:ext uri="{BB962C8B-B14F-4D97-AF65-F5344CB8AC3E}">
-        <p14:creationId xmlns:p14="http://schemas.microsoft.com/office/powerpoint/2010/main" val="3204165803"/>
+        <p14:creationId xmlns:p14="http://schemas.microsoft.com/office/powerpoint/2010/main" val="156247696"/>
       </p:ext>
     </p:extLst>
   </p:cSld>
@@ -2138,7 +2137,7 @@
     </p:spTree>
     <p:extLst>
       <p:ext uri="{BB962C8B-B14F-4D97-AF65-F5344CB8AC3E}">
-        <p14:creationId xmlns:p14="http://schemas.microsoft.com/office/powerpoint/2010/main" val="156247696"/>
+        <p14:creationId xmlns:p14="http://schemas.microsoft.com/office/powerpoint/2010/main" val="3504082487"/>
       </p:ext>
     </p:extLst>
   </p:cSld>
@@ -2222,7 +2221,7 @@
     </p:spTree>
     <p:extLst>
       <p:ext uri="{BB962C8B-B14F-4D97-AF65-F5344CB8AC3E}">
-        <p14:creationId xmlns:p14="http://schemas.microsoft.com/office/powerpoint/2010/main" val="3504082487"/>
+        <p14:creationId xmlns:p14="http://schemas.microsoft.com/office/powerpoint/2010/main" val="3388368028"/>
       </p:ext>
     </p:extLst>
   </p:cSld>
@@ -2306,7 +2305,7 @@
     </p:spTree>
     <p:extLst>
       <p:ext uri="{BB962C8B-B14F-4D97-AF65-F5344CB8AC3E}">
-        <p14:creationId xmlns:p14="http://schemas.microsoft.com/office/powerpoint/2010/main" val="3388368028"/>
+        <p14:creationId xmlns:p14="http://schemas.microsoft.com/office/powerpoint/2010/main" val="1523263444"/>
       </p:ext>
     </p:extLst>
   </p:cSld>
@@ -2390,7 +2389,7 @@
     </p:spTree>
     <p:extLst>
       <p:ext uri="{BB962C8B-B14F-4D97-AF65-F5344CB8AC3E}">
-        <p14:creationId xmlns:p14="http://schemas.microsoft.com/office/powerpoint/2010/main" val="1523263444"/>
+        <p14:creationId xmlns:p14="http://schemas.microsoft.com/office/powerpoint/2010/main" val="2050982655"/>
       </p:ext>
     </p:extLst>
   </p:cSld>
@@ -2474,7 +2473,7 @@
     </p:spTree>
     <p:extLst>
       <p:ext uri="{BB962C8B-B14F-4D97-AF65-F5344CB8AC3E}">
-        <p14:creationId xmlns:p14="http://schemas.microsoft.com/office/powerpoint/2010/main" val="2050982655"/>
+        <p14:creationId xmlns:p14="http://schemas.microsoft.com/office/powerpoint/2010/main" val="2956857459"/>
       </p:ext>
     </p:extLst>
   </p:cSld>
@@ -2558,7 +2557,7 @@
     </p:spTree>
     <p:extLst>
       <p:ext uri="{BB962C8B-B14F-4D97-AF65-F5344CB8AC3E}">
-        <p14:creationId xmlns:p14="http://schemas.microsoft.com/office/powerpoint/2010/main" val="2956857459"/>
+        <p14:creationId xmlns:p14="http://schemas.microsoft.com/office/powerpoint/2010/main" val="174769969"/>
       </p:ext>
     </p:extLst>
   </p:cSld>
@@ -2726,7 +2725,7 @@
     </p:spTree>
     <p:extLst>
       <p:ext uri="{BB962C8B-B14F-4D97-AF65-F5344CB8AC3E}">
-        <p14:creationId xmlns:p14="http://schemas.microsoft.com/office/powerpoint/2010/main" val="174769969"/>
+        <p14:creationId xmlns:p14="http://schemas.microsoft.com/office/powerpoint/2010/main" val="150243831"/>
       </p:ext>
     </p:extLst>
   </p:cSld>
@@ -2810,7 +2809,7 @@
     </p:spTree>
     <p:extLst>
       <p:ext uri="{BB962C8B-B14F-4D97-AF65-F5344CB8AC3E}">
-        <p14:creationId xmlns:p14="http://schemas.microsoft.com/office/powerpoint/2010/main" val="150243831"/>
+        <p14:creationId xmlns:p14="http://schemas.microsoft.com/office/powerpoint/2010/main" val="4244375716"/>
       </p:ext>
     </p:extLst>
   </p:cSld>
@@ -2894,7 +2893,7 @@
     </p:spTree>
     <p:extLst>
       <p:ext uri="{BB962C8B-B14F-4D97-AF65-F5344CB8AC3E}">
-        <p14:creationId xmlns:p14="http://schemas.microsoft.com/office/powerpoint/2010/main" val="4244375716"/>
+        <p14:creationId xmlns:p14="http://schemas.microsoft.com/office/powerpoint/2010/main" val="371480738"/>
       </p:ext>
     </p:extLst>
   </p:cSld>
@@ -2921,66 +2920,7 @@
           <a:chExt cx="0" cy="0"/>
         </a:xfrm>
       </p:grpSpPr>
-      <p:sp>
-        <p:nvSpPr>
-          <p:cNvPr id="2" name="Slide Image Placeholder 1"/>
-          <p:cNvSpPr>
-            <a:spLocks noGrp="1" noRot="1" noChangeAspect="1"/>
-          </p:cNvSpPr>
-          <p:nvPr>
-            <p:ph type="sldImg"/>
-          </p:nvPr>
-        </p:nvSpPr>
-        <p:spPr/>
-      </p:sp>
-      <p:sp>
-        <p:nvSpPr>
-          <p:cNvPr id="3" name="Notes Placeholder 2"/>
-          <p:cNvSpPr>
-            <a:spLocks noGrp="1"/>
-          </p:cNvSpPr>
-          <p:nvPr>
-            <p:ph type="body" idx="1"/>
-          </p:nvPr>
-        </p:nvSpPr>
-        <p:spPr/>
-        <p:txBody>
-          <a:bodyPr/>
-          <a:lstStyle/>
-          <a:p>
-            <a:endParaRPr lang="en-US" dirty="0"/>
-          </a:p>
-        </p:txBody>
-      </p:sp>
-      <p:sp>
-        <p:nvSpPr>
-          <p:cNvPr id="4" name="Slide Number Placeholder 3"/>
-          <p:cNvSpPr>
-            <a:spLocks noGrp="1"/>
-          </p:cNvSpPr>
-          <p:nvPr>
-            <p:ph type="sldNum" sz="quarter" idx="5"/>
-          </p:nvPr>
-        </p:nvSpPr>
-        <p:spPr/>
-        <p:txBody>
-          <a:bodyPr/>
-          <a:lstStyle/>
-          <a:p>
-            <a:fld id="{CBC99354-90B8-4A26-9167-04629BAE14F6}" type="slidenum">
-              <a:rPr lang="en-US" smtClean="0"/>
-              <a:t>33</a:t>
-            </a:fld>
-            <a:endParaRPr lang="en-US"/>
-          </a:p>
-        </p:txBody>
-      </p:sp>
     </p:spTree>
-    <p:extLst>
-      <p:ext uri="{BB962C8B-B14F-4D97-AF65-F5344CB8AC3E}">
-        <p14:creationId xmlns:p14="http://schemas.microsoft.com/office/powerpoint/2010/main" val="371480738"/>
-      </p:ext>
-    </p:extLst>
   </p:cSld>
   <p:clrMapOvr>
     <a:masterClrMapping/>
@@ -3031,6 +2971,11 @@
         </a:xfrm>
       </p:grpSpPr>
     </p:spTree>
+    <p:extLst>
+      <p:ext uri="{BB962C8B-B14F-4D97-AF65-F5344CB8AC3E}">
+        <p14:creationId xmlns:p14="http://schemas.microsoft.com/office/powerpoint/2010/main" val="427707898"/>
+      </p:ext>
+    </p:extLst>
   </p:cSld>
   <p:clrMapOvr>
     <a:masterClrMapping/>
@@ -3058,7 +3003,7 @@
     </p:spTree>
     <p:extLst>
       <p:ext uri="{BB962C8B-B14F-4D97-AF65-F5344CB8AC3E}">
-        <p14:creationId xmlns:p14="http://schemas.microsoft.com/office/powerpoint/2010/main" val="427707898"/>
+        <p14:creationId xmlns:p14="http://schemas.microsoft.com/office/powerpoint/2010/main" val="2588143614"/>
       </p:ext>
     </p:extLst>
   </p:cSld>
@@ -3088,7 +3033,7 @@
     </p:spTree>
     <p:extLst>
       <p:ext uri="{BB962C8B-B14F-4D97-AF65-F5344CB8AC3E}">
-        <p14:creationId xmlns:p14="http://schemas.microsoft.com/office/powerpoint/2010/main" val="2588143614"/>
+        <p14:creationId xmlns:p14="http://schemas.microsoft.com/office/powerpoint/2010/main" val="2228339329"/>
       </p:ext>
     </p:extLst>
   </p:cSld>
@@ -3118,7 +3063,7 @@
     </p:spTree>
     <p:extLst>
       <p:ext uri="{BB962C8B-B14F-4D97-AF65-F5344CB8AC3E}">
-        <p14:creationId xmlns:p14="http://schemas.microsoft.com/office/powerpoint/2010/main" val="2228339329"/>
+        <p14:creationId xmlns:p14="http://schemas.microsoft.com/office/powerpoint/2010/main" val="1163624195"/>
       </p:ext>
     </p:extLst>
   </p:cSld>
@@ -3148,7 +3093,7 @@
     </p:spTree>
     <p:extLst>
       <p:ext uri="{BB962C8B-B14F-4D97-AF65-F5344CB8AC3E}">
-        <p14:creationId xmlns:p14="http://schemas.microsoft.com/office/powerpoint/2010/main" val="1163624195"/>
+        <p14:creationId xmlns:p14="http://schemas.microsoft.com/office/powerpoint/2010/main" val="530549999"/>
       </p:ext>
     </p:extLst>
   </p:cSld>
@@ -3262,7 +3207,7 @@
     </p:spTree>
     <p:extLst>
       <p:ext uri="{BB962C8B-B14F-4D97-AF65-F5344CB8AC3E}">
-        <p14:creationId xmlns:p14="http://schemas.microsoft.com/office/powerpoint/2010/main" val="530549999"/>
+        <p14:creationId xmlns:p14="http://schemas.microsoft.com/office/powerpoint/2010/main" val="1691253280"/>
       </p:ext>
     </p:extLst>
   </p:cSld>
@@ -3292,7 +3237,7 @@
     </p:spTree>
     <p:extLst>
       <p:ext uri="{BB962C8B-B14F-4D97-AF65-F5344CB8AC3E}">
-        <p14:creationId xmlns:p14="http://schemas.microsoft.com/office/powerpoint/2010/main" val="1691253280"/>
+        <p14:creationId xmlns:p14="http://schemas.microsoft.com/office/powerpoint/2010/main" val="874544033"/>
       </p:ext>
     </p:extLst>
   </p:cSld>
@@ -3322,7 +3267,7 @@
     </p:spTree>
     <p:extLst>
       <p:ext uri="{BB962C8B-B14F-4D97-AF65-F5344CB8AC3E}">
-        <p14:creationId xmlns:p14="http://schemas.microsoft.com/office/powerpoint/2010/main" val="874544033"/>
+        <p14:creationId xmlns:p14="http://schemas.microsoft.com/office/powerpoint/2010/main" val="2908263841"/>
       </p:ext>
     </p:extLst>
   </p:cSld>
@@ -3352,7 +3297,7 @@
     </p:spTree>
     <p:extLst>
       <p:ext uri="{BB962C8B-B14F-4D97-AF65-F5344CB8AC3E}">
-        <p14:creationId xmlns:p14="http://schemas.microsoft.com/office/powerpoint/2010/main" val="2908263841"/>
+        <p14:creationId xmlns:p14="http://schemas.microsoft.com/office/powerpoint/2010/main" val="593348790"/>
       </p:ext>
     </p:extLst>
   </p:cSld>
@@ -3382,7 +3327,7 @@
     </p:spTree>
     <p:extLst>
       <p:ext uri="{BB962C8B-B14F-4D97-AF65-F5344CB8AC3E}">
-        <p14:creationId xmlns:p14="http://schemas.microsoft.com/office/powerpoint/2010/main" val="593348790"/>
+        <p14:creationId xmlns:p14="http://schemas.microsoft.com/office/powerpoint/2010/main" val="4025862633"/>
       </p:ext>
     </p:extLst>
   </p:cSld>
@@ -3412,7 +3357,7 @@
     </p:spTree>
     <p:extLst>
       <p:ext uri="{BB962C8B-B14F-4D97-AF65-F5344CB8AC3E}">
-        <p14:creationId xmlns:p14="http://schemas.microsoft.com/office/powerpoint/2010/main" val="4025862633"/>
+        <p14:creationId xmlns:p14="http://schemas.microsoft.com/office/powerpoint/2010/main" val="1168692051"/>
       </p:ext>
     </p:extLst>
   </p:cSld>
@@ -3423,36 +3368,6 @@
 </file>
 
 <file path=ppt/notesSlides/notesSlide46.xml><?xml version="1.0" encoding="utf-8"?>
-<p:notes xmlns:a="http://schemas.openxmlformats.org/drawingml/2006/main" xmlns:r="http://schemas.openxmlformats.org/officeDocument/2006/relationships" xmlns:p="http://schemas.openxmlformats.org/presentationml/2006/main">
-  <p:cSld>
-    <p:spTree>
-      <p:nvGrpSpPr>
-        <p:cNvPr id="1" name=""/>
-        <p:cNvGrpSpPr/>
-        <p:nvPr/>
-      </p:nvGrpSpPr>
-      <p:grpSpPr>
-        <a:xfrm>
-          <a:off x="0" y="0"/>
-          <a:ext cx="0" cy="0"/>
-          <a:chOff x="0" y="0"/>
-          <a:chExt cx="0" cy="0"/>
-        </a:xfrm>
-      </p:grpSpPr>
-    </p:spTree>
-    <p:extLst>
-      <p:ext uri="{BB962C8B-B14F-4D97-AF65-F5344CB8AC3E}">
-        <p14:creationId xmlns:p14="http://schemas.microsoft.com/office/powerpoint/2010/main" val="1168692051"/>
-      </p:ext>
-    </p:extLst>
-  </p:cSld>
-  <p:clrMapOvr>
-    <a:masterClrMapping/>
-  </p:clrMapOvr>
-</p:notes>
-</file>
-
-<file path=ppt/notesSlides/notesSlide47.xml><?xml version="1.0" encoding="utf-8"?>
 <p:notes xmlns:a="http://schemas.openxmlformats.org/drawingml/2006/main" xmlns:r="http://schemas.openxmlformats.org/officeDocument/2006/relationships" xmlns:p="http://schemas.openxmlformats.org/presentationml/2006/main">
   <p:cSld>
     <p:spTree>
@@ -3517,7 +3432,7 @@
           <a:p>
             <a:fld id="{CBC99354-90B8-4A26-9167-04629BAE14F6}" type="slidenum">
               <a:rPr lang="en-US" smtClean="0"/>
-              <a:t>48</a:t>
+              <a:t>47</a:t>
             </a:fld>
             <a:endParaRPr lang="en-US"/>
           </a:p>
@@ -6713,7 +6628,7 @@
                   <a:srgbClr val="064339"/>
                 </a:solidFill>
               </a:rPr>
-              <a:t>Lecture 4</a:t>
+              <a:t>Lecture 5</a:t>
             </a:r>
           </a:p>
           <a:p>
@@ -11396,6 +11311,16 @@
           <a:bodyPr/>
           <a:lstStyle/>
           <a:p>
+            <a:pPr marL="400050" lvl="1" indent="0">
+              <a:buNone/>
+            </a:pPr>
+            <a:endParaRPr lang="en-US" sz="2000" dirty="0">
+              <a:solidFill>
+                <a:srgbClr val="064339"/>
+              </a:solidFill>
+            </a:endParaRPr>
+          </a:p>
+          <a:p>
             <a:pPr lvl="1" indent="-342900"/>
             <a:r>
               <a:rPr lang="en-US" sz="2000" dirty="0">
@@ -11403,7 +11328,7 @@
                   <a:srgbClr val="064339"/>
                 </a:solidFill>
               </a:rPr>
-              <a:t>Residual Standard Error</a:t>
+              <a:t>R-square: fraction of variance explained by the linear model</a:t>
             </a:r>
           </a:p>
           <a:p>
@@ -11432,14 +11357,11 @@
           </a:p>
           <a:p>
             <a:pPr lvl="1" indent="-342900"/>
-            <a:r>
-              <a:rPr lang="en-US" sz="2000" dirty="0">
-                <a:solidFill>
-                  <a:srgbClr val="064339"/>
-                </a:solidFill>
-              </a:rPr>
-              <a:t>R-square: fraction of variance explained by the linear model</a:t>
-            </a:r>
+            <a:endParaRPr lang="en-US" sz="2000" dirty="0">
+              <a:solidFill>
+                <a:srgbClr val="064339"/>
+              </a:solidFill>
+            </a:endParaRPr>
           </a:p>
           <a:p>
             <a:pPr lvl="1" indent="-342900"/>
@@ -11451,31 +11373,62 @@
           </a:p>
           <a:p>
             <a:pPr lvl="1" indent="-342900"/>
-            <a:endParaRPr lang="en-US" sz="2000" dirty="0">
-              <a:solidFill>
-                <a:srgbClr val="064339"/>
-              </a:solidFill>
-            </a:endParaRPr>
-          </a:p>
-          <a:p>
-            <a:pPr lvl="1" indent="-342900"/>
-            <a:endParaRPr lang="en-US" sz="2000" dirty="0">
-              <a:solidFill>
-                <a:srgbClr val="064339"/>
-              </a:solidFill>
-            </a:endParaRPr>
-          </a:p>
-          <a:p>
-            <a:pPr marL="400050" lvl="1" indent="0">
-              <a:buNone/>
-            </a:pPr>
             <a:r>
               <a:rPr lang="en-US" sz="2000" dirty="0">
                 <a:solidFill>
                   <a:srgbClr val="064339"/>
                 </a:solidFill>
               </a:rPr>
-              <a:t>where                                            is the total sum of squares</a:t>
+              <a:t>TSS is total variance in the response Y</a:t>
+            </a:r>
+          </a:p>
+          <a:p>
+            <a:pPr lvl="1" indent="-342900"/>
+            <a:r>
+              <a:rPr lang="en-US" sz="2000" dirty="0">
+                <a:solidFill>
+                  <a:srgbClr val="064339"/>
+                </a:solidFill>
+              </a:rPr>
+              <a:t>RSS amount of variability after regression (can’t explained by the model)</a:t>
+            </a:r>
+          </a:p>
+          <a:p>
+            <a:pPr lvl="1" indent="-342900"/>
+            <a:r>
+              <a:rPr lang="en-US" sz="2000" dirty="0">
+                <a:solidFill>
+                  <a:srgbClr val="064339"/>
+                </a:solidFill>
+              </a:rPr>
+              <a:t>R-square is the proportion of variability in Y that </a:t>
+            </a:r>
+            <a:r>
+              <a:rPr lang="en-US" sz="2000" dirty="0">
+                <a:solidFill>
+                  <a:srgbClr val="FF0000"/>
+                </a:solidFill>
+              </a:rPr>
+              <a:t>can be</a:t>
+            </a:r>
+            <a:r>
+              <a:rPr lang="en-US" sz="2000" dirty="0">
+                <a:solidFill>
+                  <a:srgbClr val="064339"/>
+                </a:solidFill>
+              </a:rPr>
+              <a:t> explained by the model.</a:t>
+            </a:r>
+          </a:p>
+          <a:p>
+            <a:pPr lvl="1" indent="-342900"/>
+            <a:r>
+              <a:rPr lang="en-US" sz="2000" dirty="0">
+                <a:solidFill>
+                  <a:srgbClr val="064339"/>
+                </a:solidFill>
+              </a:rPr>
+              <a:t>Close to 1? Close to 0?</a:t>
             </a:r>
           </a:p>
           <a:p>
@@ -11534,10 +11487,10 @@
       </p:sp>
       <p:pic>
         <p:nvPicPr>
-          <p:cNvPr id="3" name="Picture 2">
+          <p:cNvPr id="6" name="Picture 5" descr="Text, letter&#10;&#10;Description automatically generated">
             <a:extLst>
               <a:ext uri="{FF2B5EF4-FFF2-40B4-BE49-F238E27FC236}">
-                <a16:creationId xmlns:a16="http://schemas.microsoft.com/office/drawing/2014/main" id="{5B91A37E-E684-4433-A138-0009F27044B4}"/>
+                <a16:creationId xmlns:a16="http://schemas.microsoft.com/office/drawing/2014/main" id="{335AF568-D80D-4D24-7FE7-E61A0C75B548}"/>
               </a:ext>
             </a:extLst>
           </p:cNvPr>
@@ -11554,68 +11507,8 @@
         </p:blipFill>
         <p:spPr>
           <a:xfrm>
-            <a:off x="2278966" y="1103753"/>
-            <a:ext cx="5155809" cy="1154739"/>
-          </a:xfrm>
-          <a:prstGeom prst="rect">
-            <a:avLst/>
-          </a:prstGeom>
-        </p:spPr>
-      </p:pic>
-      <p:pic>
-        <p:nvPicPr>
-          <p:cNvPr id="7" name="Picture 6">
-            <a:extLst>
-              <a:ext uri="{FF2B5EF4-FFF2-40B4-BE49-F238E27FC236}">
-                <a16:creationId xmlns:a16="http://schemas.microsoft.com/office/drawing/2014/main" id="{D11B7356-72E6-46AA-A790-322026F5F49A}"/>
-              </a:ext>
-            </a:extLst>
-          </p:cNvPr>
-          <p:cNvPicPr>
-            <a:picLocks noChangeAspect="1"/>
-          </p:cNvPicPr>
-          <p:nvPr/>
-        </p:nvPicPr>
-        <p:blipFill>
-          <a:blip r:embed="rId4"/>
-          <a:stretch>
-            <a:fillRect/>
-          </a:stretch>
-        </p:blipFill>
-        <p:spPr>
-          <a:xfrm>
-            <a:off x="2454811" y="2686736"/>
-            <a:ext cx="4804117" cy="873476"/>
-          </a:xfrm>
-          <a:prstGeom prst="rect">
-            <a:avLst/>
-          </a:prstGeom>
-        </p:spPr>
-      </p:pic>
-      <p:pic>
-        <p:nvPicPr>
-          <p:cNvPr id="9" name="Picture 8">
-            <a:extLst>
-              <a:ext uri="{FF2B5EF4-FFF2-40B4-BE49-F238E27FC236}">
-                <a16:creationId xmlns:a16="http://schemas.microsoft.com/office/drawing/2014/main" id="{FAADA300-5CD1-4743-BEF1-327BD65F2BB6}"/>
-              </a:ext>
-            </a:extLst>
-          </p:cNvPr>
-          <p:cNvPicPr>
-            <a:picLocks noChangeAspect="1"/>
-          </p:cNvPicPr>
-          <p:nvPr/>
-        </p:nvPicPr>
-        <p:blipFill>
-          <a:blip r:embed="rId5"/>
-          <a:stretch>
-            <a:fillRect/>
-          </a:stretch>
-        </p:blipFill>
-        <p:spPr>
-          <a:xfrm>
-            <a:off x="1147492" y="3734526"/>
-            <a:ext cx="2509131" cy="464267"/>
+            <a:off x="2082362" y="1524220"/>
+            <a:ext cx="3218793" cy="1651122"/>
           </a:xfrm>
           <a:prstGeom prst="rect">
             <a:avLst/>
@@ -11668,7 +11561,7 @@
                                         <p:tgtEl>
                                           <p:spTgt spid="14">
                                             <p:txEl>
-                                              <p:pRg st="0" end="0"/>
+                                              <p:pRg st="1" end="1"/>
                                             </p:txEl>
                                           </p:spTgt>
                                         </p:tgtEl>
@@ -11686,7 +11579,7 @@
                                         <p:tgtEl>
                                           <p:spTgt spid="14">
                                             <p:txEl>
-                                              <p:pRg st="0" end="0"/>
+                                              <p:pRg st="1" end="1"/>
                                             </p:txEl>
                                           </p:spTgt>
                                         </p:tgtEl>
@@ -11727,7 +11620,11 @@
                                           </p:stCondLst>
                                         </p:cTn>
                                         <p:tgtEl>
-                                          <p:spTgt spid="3"/>
+                                          <p:spTgt spid="14">
+                                            <p:txEl>
+                                              <p:pRg st="7" end="7"/>
+                                            </p:txEl>
+                                          </p:spTgt>
                                         </p:tgtEl>
                                         <p:attrNameLst>
                                           <p:attrName>style.visibility</p:attrName>
@@ -11741,7 +11638,11 @@
                                       <p:cBhvr>
                                         <p:cTn id="12" dur="500"/>
                                         <p:tgtEl>
-                                          <p:spTgt spid="3"/>
+                                          <p:spTgt spid="14">
+                                            <p:txEl>
+                                              <p:pRg st="7" end="7"/>
+                                            </p:txEl>
+                                          </p:spTgt>
                                         </p:tgtEl>
                                       </p:cBhvr>
                                     </p:animEffect>
@@ -11782,7 +11683,7 @@
                                         <p:tgtEl>
                                           <p:spTgt spid="14">
                                             <p:txEl>
-                                              <p:pRg st="4" end="4"/>
+                                              <p:pRg st="8" end="8"/>
                                             </p:txEl>
                                           </p:spTgt>
                                         </p:tgtEl>
@@ -11800,7 +11701,7 @@
                                         <p:tgtEl>
                                           <p:spTgt spid="14">
                                             <p:txEl>
-                                              <p:pRg st="4" end="4"/>
+                                              <p:pRg st="8" end="8"/>
                                             </p:txEl>
                                           </p:spTgt>
                                         </p:tgtEl>
@@ -11841,7 +11742,11 @@
                                           </p:stCondLst>
                                         </p:cTn>
                                         <p:tgtEl>
-                                          <p:spTgt spid="7"/>
+                                          <p:spTgt spid="14">
+                                            <p:txEl>
+                                              <p:pRg st="9" end="9"/>
+                                            </p:txEl>
+                                          </p:spTgt>
                                         </p:tgtEl>
                                         <p:attrNameLst>
                                           <p:attrName>style.visibility</p:attrName>
@@ -11855,7 +11760,11 @@
                                       <p:cBhvr>
                                         <p:cTn id="22" dur="500"/>
                                         <p:tgtEl>
-                                          <p:spTgt spid="7"/>
+                                          <p:spTgt spid="14">
+                                            <p:txEl>
+                                              <p:pRg st="9" end="9"/>
+                                            </p:txEl>
+                                          </p:spTgt>
                                         </p:tgtEl>
                                       </p:cBhvr>
                                     </p:animEffect>
@@ -11896,7 +11805,7 @@
                                         <p:tgtEl>
                                           <p:spTgt spid="14">
                                             <p:txEl>
-                                              <p:pRg st="8" end="8"/>
+                                              <p:pRg st="10" end="10"/>
                                             </p:txEl>
                                           </p:spTgt>
                                         </p:tgtEl>
@@ -11914,62 +11823,9 @@
                                         <p:tgtEl>
                                           <p:spTgt spid="14">
                                             <p:txEl>
-                                              <p:pRg st="8" end="8"/>
+                                              <p:pRg st="10" end="10"/>
                                             </p:txEl>
                                           </p:spTgt>
-                                        </p:tgtEl>
-                                      </p:cBhvr>
-                                    </p:animEffect>
-                                  </p:childTnLst>
-                                </p:cTn>
-                              </p:par>
-                            </p:childTnLst>
-                          </p:cTn>
-                        </p:par>
-                      </p:childTnLst>
-                    </p:cTn>
-                  </p:par>
-                  <p:par>
-                    <p:cTn id="28" fill="hold">
-                      <p:stCondLst>
-                        <p:cond delay="indefinite"/>
-                      </p:stCondLst>
-                      <p:childTnLst>
-                        <p:par>
-                          <p:cTn id="29" fill="hold">
-                            <p:stCondLst>
-                              <p:cond delay="0"/>
-                            </p:stCondLst>
-                            <p:childTnLst>
-                              <p:par>
-                                <p:cTn id="30" presetID="10" presetClass="entr" presetSubtype="0" fill="hold" nodeType="clickEffect">
-                                  <p:stCondLst>
-                                    <p:cond delay="0"/>
-                                  </p:stCondLst>
-                                  <p:childTnLst>
-                                    <p:set>
-                                      <p:cBhvr>
-                                        <p:cTn id="31" dur="1" fill="hold">
-                                          <p:stCondLst>
-                                            <p:cond delay="0"/>
-                                          </p:stCondLst>
-                                        </p:cTn>
-                                        <p:tgtEl>
-                                          <p:spTgt spid="9"/>
-                                        </p:tgtEl>
-                                        <p:attrNameLst>
-                                          <p:attrName>style.visibility</p:attrName>
-                                        </p:attrNameLst>
-                                      </p:cBhvr>
-                                      <p:to>
-                                        <p:strVal val="visible"/>
-                                      </p:to>
-                                    </p:set>
-                                    <p:animEffect transition="in" filter="fade">
-                                      <p:cBhvr>
-                                        <p:cTn id="32" dur="500"/>
-                                        <p:tgtEl>
-                                          <p:spTgt spid="9"/>
                                         </p:tgtEl>
                                       </p:cBhvr>
                                     </p:animEffect>
@@ -12636,7 +12492,7 @@
                   <a:schemeClr val="bg1"/>
                 </a:solidFill>
               </a:rPr>
-              <a:t>Correlation Coefficient</a:t>
+              <a:t>Coding group work</a:t>
             </a:r>
             <a:endParaRPr lang="en-US" sz="3500" dirty="0">
               <a:solidFill>
@@ -12646,306 +12502,6 @@
           </a:p>
         </p:txBody>
       </p:sp>
-      <p:sp>
-        <p:nvSpPr>
-          <p:cNvPr id="14" name="Content Placeholder 2">
-            <a:extLst>
-              <a:ext uri="{FF2B5EF4-FFF2-40B4-BE49-F238E27FC236}">
-                <a16:creationId xmlns:a16="http://schemas.microsoft.com/office/drawing/2014/main" id="{D2BC2843-AE11-440A-8398-98ADA32D4AA8}"/>
-              </a:ext>
-            </a:extLst>
-          </p:cNvPr>
-          <p:cNvSpPr>
-            <a:spLocks noGrp="1"/>
-          </p:cNvSpPr>
-          <p:nvPr>
-            <p:ph idx="1"/>
-          </p:nvPr>
-        </p:nvSpPr>
-        <p:spPr>
-          <a:xfrm>
-            <a:off x="0" y="796949"/>
-            <a:ext cx="8433582" cy="4111111"/>
-          </a:xfrm>
-        </p:spPr>
-        <p:txBody>
-          <a:bodyPr/>
-          <a:lstStyle/>
-          <a:p>
-            <a:pPr lvl="1" indent="-342900"/>
-            <a:r>
-              <a:rPr lang="en-US" sz="2000" dirty="0">
-                <a:solidFill>
-                  <a:srgbClr val="064339"/>
-                </a:solidFill>
-              </a:rPr>
-              <a:t>Measures dependence between two random variables X and Y</a:t>
-            </a:r>
-          </a:p>
-          <a:p>
-            <a:pPr lvl="1" indent="-342900"/>
-            <a:endParaRPr lang="en-US" sz="2000" dirty="0">
-              <a:solidFill>
-                <a:srgbClr val="064339"/>
-              </a:solidFill>
-            </a:endParaRPr>
-          </a:p>
-          <a:p>
-            <a:pPr lvl="1" indent="-342900"/>
-            <a:endParaRPr lang="en-US" sz="2000" dirty="0">
-              <a:solidFill>
-                <a:srgbClr val="064339"/>
-              </a:solidFill>
-            </a:endParaRPr>
-          </a:p>
-          <a:p>
-            <a:pPr lvl="1" indent="-342900"/>
-            <a:endParaRPr lang="en-US" sz="2000" dirty="0">
-              <a:solidFill>
-                <a:srgbClr val="064339"/>
-              </a:solidFill>
-            </a:endParaRPr>
-          </a:p>
-          <a:p>
-            <a:pPr lvl="1" indent="-342900"/>
-            <a:endParaRPr lang="en-US" sz="2000" dirty="0">
-              <a:solidFill>
-                <a:srgbClr val="064339"/>
-              </a:solidFill>
-            </a:endParaRPr>
-          </a:p>
-          <a:p>
-            <a:pPr lvl="1" indent="-342900"/>
-            <a:endParaRPr lang="en-US" sz="2000" dirty="0">
-              <a:solidFill>
-                <a:srgbClr val="064339"/>
-              </a:solidFill>
-            </a:endParaRPr>
-          </a:p>
-          <a:p>
-            <a:pPr lvl="1" indent="-342900"/>
-            <a:r>
-              <a:rPr lang="en-US" sz="2000" dirty="0">
-                <a:solidFill>
-                  <a:srgbClr val="064339"/>
-                </a:solidFill>
-              </a:rPr>
-              <a:t>Correlation coefficient </a:t>
-            </a:r>
-            <a:r>
-              <a:rPr lang="en-US" sz="2000" i="1" dirty="0">
-                <a:solidFill>
-                  <a:srgbClr val="064339"/>
-                </a:solidFill>
-              </a:rPr>
-              <a:t>r</a:t>
-            </a:r>
-            <a:r>
-              <a:rPr lang="en-US" sz="2000" dirty="0">
-                <a:solidFill>
-                  <a:srgbClr val="064339"/>
-                </a:solidFill>
-              </a:rPr>
-              <a:t> is between [-1, 1]</a:t>
-            </a:r>
-          </a:p>
-          <a:p>
-            <a:pPr lvl="2" indent="-342900"/>
-            <a:r>
-              <a:rPr lang="en-US" sz="1600" dirty="0">
-                <a:solidFill>
-                  <a:srgbClr val="064339"/>
-                </a:solidFill>
-              </a:rPr>
-              <a:t>0: Variables are not linearly related</a:t>
-            </a:r>
-          </a:p>
-          <a:p>
-            <a:pPr lvl="2" indent="-342900"/>
-            <a:r>
-              <a:rPr lang="en-US" sz="1600" dirty="0">
-                <a:solidFill>
-                  <a:srgbClr val="064339"/>
-                </a:solidFill>
-              </a:rPr>
-              <a:t>1: Variables are perfectly related (same)</a:t>
-            </a:r>
-          </a:p>
-          <a:p>
-            <a:pPr lvl="2" indent="-342900"/>
-            <a:r>
-              <a:rPr lang="en-US" sz="1600" dirty="0">
-                <a:solidFill>
-                  <a:srgbClr val="064339"/>
-                </a:solidFill>
-              </a:rPr>
-              <a:t>-1: Variables are negatively related (different)</a:t>
-            </a:r>
-          </a:p>
-          <a:p>
-            <a:pPr marL="800100" lvl="2" indent="0">
-              <a:buNone/>
-            </a:pPr>
-            <a:endParaRPr lang="en-US" sz="1600" dirty="0">
-              <a:solidFill>
-                <a:srgbClr val="064339"/>
-              </a:solidFill>
-            </a:endParaRPr>
-          </a:p>
-          <a:p>
-            <a:pPr marL="800100" lvl="2" indent="0">
-              <a:buNone/>
-            </a:pPr>
-            <a:endParaRPr lang="en-US" sz="1600" dirty="0">
-              <a:solidFill>
-                <a:srgbClr val="064339"/>
-              </a:solidFill>
-            </a:endParaRPr>
-          </a:p>
-          <a:p>
-            <a:pPr lvl="1" indent="-342900"/>
-            <a:endParaRPr lang="en-US" sz="2000" dirty="0">
-              <a:solidFill>
-                <a:srgbClr val="064339"/>
-              </a:solidFill>
-            </a:endParaRPr>
-          </a:p>
-          <a:p>
-            <a:pPr marL="400050" lvl="1" indent="0">
-              <a:buNone/>
-            </a:pPr>
-            <a:endParaRPr lang="en-US" sz="2000" dirty="0">
-              <a:solidFill>
-                <a:srgbClr val="064339"/>
-              </a:solidFill>
-            </a:endParaRPr>
-          </a:p>
-          <a:p>
-            <a:pPr lvl="1" indent="-342900"/>
-            <a:endParaRPr lang="en-US" sz="2000" dirty="0">
-              <a:solidFill>
-                <a:srgbClr val="064339"/>
-              </a:solidFill>
-            </a:endParaRPr>
-          </a:p>
-          <a:p>
-            <a:pPr lvl="1" indent="-342900"/>
-            <a:endParaRPr lang="en-US" dirty="0">
-              <a:solidFill>
-                <a:srgbClr val="064339"/>
-              </a:solidFill>
-            </a:endParaRPr>
-          </a:p>
-          <a:p>
-            <a:pPr lvl="1" indent="-342900"/>
-            <a:endParaRPr lang="en-US" dirty="0">
-              <a:solidFill>
-                <a:srgbClr val="064339"/>
-              </a:solidFill>
-            </a:endParaRPr>
-          </a:p>
-          <a:p>
-            <a:pPr marL="400050" lvl="1" indent="0">
-              <a:buNone/>
-            </a:pPr>
-            <a:endParaRPr lang="en-US" dirty="0">
-              <a:solidFill>
-                <a:srgbClr val="064339"/>
-              </a:solidFill>
-            </a:endParaRPr>
-          </a:p>
-        </p:txBody>
-      </p:sp>
-      <p:pic>
-        <p:nvPicPr>
-          <p:cNvPr id="6" name="Picture 5">
-            <a:extLst>
-              <a:ext uri="{FF2B5EF4-FFF2-40B4-BE49-F238E27FC236}">
-                <a16:creationId xmlns:a16="http://schemas.microsoft.com/office/drawing/2014/main" id="{3671277B-362F-43C4-AD04-9F47149FD6B9}"/>
-              </a:ext>
-            </a:extLst>
-          </p:cNvPr>
-          <p:cNvPicPr>
-            <a:picLocks noChangeAspect="1"/>
-          </p:cNvPicPr>
-          <p:nvPr/>
-        </p:nvPicPr>
-        <p:blipFill>
-          <a:blip r:embed="rId3"/>
-          <a:stretch>
-            <a:fillRect/>
-          </a:stretch>
-        </p:blipFill>
-        <p:spPr>
-          <a:xfrm>
-            <a:off x="2524641" y="1167357"/>
-            <a:ext cx="3498032" cy="1118879"/>
-          </a:xfrm>
-          <a:prstGeom prst="rect">
-            <a:avLst/>
-          </a:prstGeom>
-        </p:spPr>
-      </p:pic>
-      <p:pic>
-        <p:nvPicPr>
-          <p:cNvPr id="10" name="Picture 9">
-            <a:extLst>
-              <a:ext uri="{FF2B5EF4-FFF2-40B4-BE49-F238E27FC236}">
-                <a16:creationId xmlns:a16="http://schemas.microsoft.com/office/drawing/2014/main" id="{5BF9380E-B72C-45F8-9C9C-F421275C0924}"/>
-              </a:ext>
-            </a:extLst>
-          </p:cNvPr>
-          <p:cNvPicPr>
-            <a:picLocks noChangeAspect="1"/>
-          </p:cNvPicPr>
-          <p:nvPr/>
-        </p:nvPicPr>
-        <p:blipFill>
-          <a:blip r:embed="rId4"/>
-          <a:stretch>
-            <a:fillRect/>
-          </a:stretch>
-        </p:blipFill>
-        <p:spPr>
-          <a:xfrm>
-            <a:off x="1019149" y="4540112"/>
-            <a:ext cx="1273475" cy="535513"/>
-          </a:xfrm>
-          <a:prstGeom prst="rect">
-            <a:avLst/>
-          </a:prstGeom>
-        </p:spPr>
-      </p:pic>
-      <p:pic>
-        <p:nvPicPr>
-          <p:cNvPr id="12" name="Picture 11">
-            <a:extLst>
-              <a:ext uri="{FF2B5EF4-FFF2-40B4-BE49-F238E27FC236}">
-                <a16:creationId xmlns:a16="http://schemas.microsoft.com/office/drawing/2014/main" id="{52ECEDDB-930F-45E1-84AB-4F372EABC3C7}"/>
-              </a:ext>
-            </a:extLst>
-          </p:cNvPr>
-          <p:cNvPicPr>
-            <a:picLocks noChangeAspect="1"/>
-          </p:cNvPicPr>
-          <p:nvPr/>
-        </p:nvPicPr>
-        <p:blipFill>
-          <a:blip r:embed="rId5"/>
-          <a:stretch>
-            <a:fillRect/>
-          </a:stretch>
-        </p:blipFill>
-        <p:spPr>
-          <a:xfrm>
-            <a:off x="2292624" y="2294709"/>
-            <a:ext cx="3962066" cy="763422"/>
-          </a:xfrm>
-          <a:prstGeom prst="rect">
-            <a:avLst/>
-          </a:prstGeom>
-        </p:spPr>
-      </p:pic>
     </p:spTree>
     <p:extLst>
       <p:ext uri="{BB962C8B-B14F-4D97-AF65-F5344CB8AC3E}">
@@ -12956,500 +12512,6 @@
   <p:clrMapOvr>
     <a:masterClrMapping/>
   </p:clrMapOvr>
-  <p:timing>
-    <p:tnLst>
-      <p:par>
-        <p:cTn id="1" dur="indefinite" restart="never" nodeType="tmRoot">
-          <p:childTnLst>
-            <p:seq concurrent="1" nextAc="seek">
-              <p:cTn id="2" dur="indefinite" nodeType="mainSeq">
-                <p:childTnLst>
-                  <p:par>
-                    <p:cTn id="3" fill="hold">
-                      <p:stCondLst>
-                        <p:cond delay="indefinite"/>
-                      </p:stCondLst>
-                      <p:childTnLst>
-                        <p:par>
-                          <p:cTn id="4" fill="hold">
-                            <p:stCondLst>
-                              <p:cond delay="0"/>
-                            </p:stCondLst>
-                            <p:childTnLst>
-                              <p:par>
-                                <p:cTn id="5" presetID="10" presetClass="entr" presetSubtype="0" fill="hold" nodeType="clickEffect">
-                                  <p:stCondLst>
-                                    <p:cond delay="0"/>
-                                  </p:stCondLst>
-                                  <p:childTnLst>
-                                    <p:set>
-                                      <p:cBhvr>
-                                        <p:cTn id="6" dur="1" fill="hold">
-                                          <p:stCondLst>
-                                            <p:cond delay="0"/>
-                                          </p:stCondLst>
-                                        </p:cTn>
-                                        <p:tgtEl>
-                                          <p:spTgt spid="14">
-                                            <p:txEl>
-                                              <p:pRg st="0" end="0"/>
-                                            </p:txEl>
-                                          </p:spTgt>
-                                        </p:tgtEl>
-                                        <p:attrNameLst>
-                                          <p:attrName>style.visibility</p:attrName>
-                                        </p:attrNameLst>
-                                      </p:cBhvr>
-                                      <p:to>
-                                        <p:strVal val="visible"/>
-                                      </p:to>
-                                    </p:set>
-                                    <p:animEffect transition="in" filter="fade">
-                                      <p:cBhvr>
-                                        <p:cTn id="7" dur="500"/>
-                                        <p:tgtEl>
-                                          <p:spTgt spid="14">
-                                            <p:txEl>
-                                              <p:pRg st="0" end="0"/>
-                                            </p:txEl>
-                                          </p:spTgt>
-                                        </p:tgtEl>
-                                      </p:cBhvr>
-                                    </p:animEffect>
-                                  </p:childTnLst>
-                                </p:cTn>
-                              </p:par>
-                            </p:childTnLst>
-                          </p:cTn>
-                        </p:par>
-                      </p:childTnLst>
-                    </p:cTn>
-                  </p:par>
-                  <p:par>
-                    <p:cTn id="8" fill="hold">
-                      <p:stCondLst>
-                        <p:cond delay="indefinite"/>
-                      </p:stCondLst>
-                      <p:childTnLst>
-                        <p:par>
-                          <p:cTn id="9" fill="hold">
-                            <p:stCondLst>
-                              <p:cond delay="0"/>
-                            </p:stCondLst>
-                            <p:childTnLst>
-                              <p:par>
-                                <p:cTn id="10" presetID="10" presetClass="entr" presetSubtype="0" fill="hold" nodeType="clickEffect">
-                                  <p:stCondLst>
-                                    <p:cond delay="0"/>
-                                  </p:stCondLst>
-                                  <p:childTnLst>
-                                    <p:set>
-                                      <p:cBhvr>
-                                        <p:cTn id="11" dur="1" fill="hold">
-                                          <p:stCondLst>
-                                            <p:cond delay="0"/>
-                                          </p:stCondLst>
-                                        </p:cTn>
-                                        <p:tgtEl>
-                                          <p:spTgt spid="6"/>
-                                        </p:tgtEl>
-                                        <p:attrNameLst>
-                                          <p:attrName>style.visibility</p:attrName>
-                                        </p:attrNameLst>
-                                      </p:cBhvr>
-                                      <p:to>
-                                        <p:strVal val="visible"/>
-                                      </p:to>
-                                    </p:set>
-                                    <p:animEffect transition="in" filter="fade">
-                                      <p:cBhvr>
-                                        <p:cTn id="12" dur="500"/>
-                                        <p:tgtEl>
-                                          <p:spTgt spid="6"/>
-                                        </p:tgtEl>
-                                      </p:cBhvr>
-                                    </p:animEffect>
-                                  </p:childTnLst>
-                                </p:cTn>
-                              </p:par>
-                            </p:childTnLst>
-                          </p:cTn>
-                        </p:par>
-                      </p:childTnLst>
-                    </p:cTn>
-                  </p:par>
-                  <p:par>
-                    <p:cTn id="13" fill="hold">
-                      <p:stCondLst>
-                        <p:cond delay="indefinite"/>
-                      </p:stCondLst>
-                      <p:childTnLst>
-                        <p:par>
-                          <p:cTn id="14" fill="hold">
-                            <p:stCondLst>
-                              <p:cond delay="0"/>
-                            </p:stCondLst>
-                            <p:childTnLst>
-                              <p:par>
-                                <p:cTn id="15" presetID="10" presetClass="entr" presetSubtype="0" fill="hold" nodeType="clickEffect">
-                                  <p:stCondLst>
-                                    <p:cond delay="0"/>
-                                  </p:stCondLst>
-                                  <p:childTnLst>
-                                    <p:set>
-                                      <p:cBhvr>
-                                        <p:cTn id="16" dur="1" fill="hold">
-                                          <p:stCondLst>
-                                            <p:cond delay="0"/>
-                                          </p:stCondLst>
-                                        </p:cTn>
-                                        <p:tgtEl>
-                                          <p:spTgt spid="12"/>
-                                        </p:tgtEl>
-                                        <p:attrNameLst>
-                                          <p:attrName>style.visibility</p:attrName>
-                                        </p:attrNameLst>
-                                      </p:cBhvr>
-                                      <p:to>
-                                        <p:strVal val="visible"/>
-                                      </p:to>
-                                    </p:set>
-                                    <p:animEffect transition="in" filter="fade">
-                                      <p:cBhvr>
-                                        <p:cTn id="17" dur="500"/>
-                                        <p:tgtEl>
-                                          <p:spTgt spid="12"/>
-                                        </p:tgtEl>
-                                      </p:cBhvr>
-                                    </p:animEffect>
-                                  </p:childTnLst>
-                                </p:cTn>
-                              </p:par>
-                            </p:childTnLst>
-                          </p:cTn>
-                        </p:par>
-                      </p:childTnLst>
-                    </p:cTn>
-                  </p:par>
-                  <p:par>
-                    <p:cTn id="18" fill="hold">
-                      <p:stCondLst>
-                        <p:cond delay="indefinite"/>
-                      </p:stCondLst>
-                      <p:childTnLst>
-                        <p:par>
-                          <p:cTn id="19" fill="hold">
-                            <p:stCondLst>
-                              <p:cond delay="0"/>
-                            </p:stCondLst>
-                            <p:childTnLst>
-                              <p:par>
-                                <p:cTn id="20" presetID="10" presetClass="entr" presetSubtype="0" fill="hold" nodeType="clickEffect">
-                                  <p:stCondLst>
-                                    <p:cond delay="0"/>
-                                  </p:stCondLst>
-                                  <p:childTnLst>
-                                    <p:set>
-                                      <p:cBhvr>
-                                        <p:cTn id="21" dur="1" fill="hold">
-                                          <p:stCondLst>
-                                            <p:cond delay="0"/>
-                                          </p:stCondLst>
-                                        </p:cTn>
-                                        <p:tgtEl>
-                                          <p:spTgt spid="14">
-                                            <p:txEl>
-                                              <p:pRg st="6" end="6"/>
-                                            </p:txEl>
-                                          </p:spTgt>
-                                        </p:tgtEl>
-                                        <p:attrNameLst>
-                                          <p:attrName>style.visibility</p:attrName>
-                                        </p:attrNameLst>
-                                      </p:cBhvr>
-                                      <p:to>
-                                        <p:strVal val="visible"/>
-                                      </p:to>
-                                    </p:set>
-                                    <p:animEffect transition="in" filter="fade">
-                                      <p:cBhvr>
-                                        <p:cTn id="22" dur="500"/>
-                                        <p:tgtEl>
-                                          <p:spTgt spid="14">
-                                            <p:txEl>
-                                              <p:pRg st="6" end="6"/>
-                                            </p:txEl>
-                                          </p:spTgt>
-                                        </p:tgtEl>
-                                      </p:cBhvr>
-                                    </p:animEffect>
-                                  </p:childTnLst>
-                                </p:cTn>
-                              </p:par>
-                            </p:childTnLst>
-                          </p:cTn>
-                        </p:par>
-                      </p:childTnLst>
-                    </p:cTn>
-                  </p:par>
-                  <p:par>
-                    <p:cTn id="23" fill="hold">
-                      <p:stCondLst>
-                        <p:cond delay="indefinite"/>
-                      </p:stCondLst>
-                      <p:childTnLst>
-                        <p:par>
-                          <p:cTn id="24" fill="hold">
-                            <p:stCondLst>
-                              <p:cond delay="0"/>
-                            </p:stCondLst>
-                            <p:childTnLst>
-                              <p:par>
-                                <p:cTn id="25" presetID="10" presetClass="entr" presetSubtype="0" fill="hold" nodeType="clickEffect">
-                                  <p:stCondLst>
-                                    <p:cond delay="0"/>
-                                  </p:stCondLst>
-                                  <p:childTnLst>
-                                    <p:set>
-                                      <p:cBhvr>
-                                        <p:cTn id="26" dur="1" fill="hold">
-                                          <p:stCondLst>
-                                            <p:cond delay="0"/>
-                                          </p:stCondLst>
-                                        </p:cTn>
-                                        <p:tgtEl>
-                                          <p:spTgt spid="14">
-                                            <p:txEl>
-                                              <p:pRg st="7" end="7"/>
-                                            </p:txEl>
-                                          </p:spTgt>
-                                        </p:tgtEl>
-                                        <p:attrNameLst>
-                                          <p:attrName>style.visibility</p:attrName>
-                                        </p:attrNameLst>
-                                      </p:cBhvr>
-                                      <p:to>
-                                        <p:strVal val="visible"/>
-                                      </p:to>
-                                    </p:set>
-                                    <p:animEffect transition="in" filter="fade">
-                                      <p:cBhvr>
-                                        <p:cTn id="27" dur="500"/>
-                                        <p:tgtEl>
-                                          <p:spTgt spid="14">
-                                            <p:txEl>
-                                              <p:pRg st="7" end="7"/>
-                                            </p:txEl>
-                                          </p:spTgt>
-                                        </p:tgtEl>
-                                      </p:cBhvr>
-                                    </p:animEffect>
-                                  </p:childTnLst>
-                                </p:cTn>
-                              </p:par>
-                            </p:childTnLst>
-                          </p:cTn>
-                        </p:par>
-                      </p:childTnLst>
-                    </p:cTn>
-                  </p:par>
-                  <p:par>
-                    <p:cTn id="28" fill="hold">
-                      <p:stCondLst>
-                        <p:cond delay="indefinite"/>
-                      </p:stCondLst>
-                      <p:childTnLst>
-                        <p:par>
-                          <p:cTn id="29" fill="hold">
-                            <p:stCondLst>
-                              <p:cond delay="0"/>
-                            </p:stCondLst>
-                            <p:childTnLst>
-                              <p:par>
-                                <p:cTn id="30" presetID="10" presetClass="entr" presetSubtype="0" fill="hold" nodeType="clickEffect">
-                                  <p:stCondLst>
-                                    <p:cond delay="0"/>
-                                  </p:stCondLst>
-                                  <p:childTnLst>
-                                    <p:set>
-                                      <p:cBhvr>
-                                        <p:cTn id="31" dur="1" fill="hold">
-                                          <p:stCondLst>
-                                            <p:cond delay="0"/>
-                                          </p:stCondLst>
-                                        </p:cTn>
-                                        <p:tgtEl>
-                                          <p:spTgt spid="14">
-                                            <p:txEl>
-                                              <p:pRg st="8" end="8"/>
-                                            </p:txEl>
-                                          </p:spTgt>
-                                        </p:tgtEl>
-                                        <p:attrNameLst>
-                                          <p:attrName>style.visibility</p:attrName>
-                                        </p:attrNameLst>
-                                      </p:cBhvr>
-                                      <p:to>
-                                        <p:strVal val="visible"/>
-                                      </p:to>
-                                    </p:set>
-                                    <p:animEffect transition="in" filter="fade">
-                                      <p:cBhvr>
-                                        <p:cTn id="32" dur="500"/>
-                                        <p:tgtEl>
-                                          <p:spTgt spid="14">
-                                            <p:txEl>
-                                              <p:pRg st="8" end="8"/>
-                                            </p:txEl>
-                                          </p:spTgt>
-                                        </p:tgtEl>
-                                      </p:cBhvr>
-                                    </p:animEffect>
-                                  </p:childTnLst>
-                                </p:cTn>
-                              </p:par>
-                            </p:childTnLst>
-                          </p:cTn>
-                        </p:par>
-                      </p:childTnLst>
-                    </p:cTn>
-                  </p:par>
-                  <p:par>
-                    <p:cTn id="33" fill="hold">
-                      <p:stCondLst>
-                        <p:cond delay="indefinite"/>
-                      </p:stCondLst>
-                      <p:childTnLst>
-                        <p:par>
-                          <p:cTn id="34" fill="hold">
-                            <p:stCondLst>
-                              <p:cond delay="0"/>
-                            </p:stCondLst>
-                            <p:childTnLst>
-                              <p:par>
-                                <p:cTn id="35" presetID="10" presetClass="entr" presetSubtype="0" fill="hold" nodeType="clickEffect">
-                                  <p:stCondLst>
-                                    <p:cond delay="0"/>
-                                  </p:stCondLst>
-                                  <p:childTnLst>
-                                    <p:set>
-                                      <p:cBhvr>
-                                        <p:cTn id="36" dur="1" fill="hold">
-                                          <p:stCondLst>
-                                            <p:cond delay="0"/>
-                                          </p:stCondLst>
-                                        </p:cTn>
-                                        <p:tgtEl>
-                                          <p:spTgt spid="14">
-                                            <p:txEl>
-                                              <p:pRg st="9" end="9"/>
-                                            </p:txEl>
-                                          </p:spTgt>
-                                        </p:tgtEl>
-                                        <p:attrNameLst>
-                                          <p:attrName>style.visibility</p:attrName>
-                                        </p:attrNameLst>
-                                      </p:cBhvr>
-                                      <p:to>
-                                        <p:strVal val="visible"/>
-                                      </p:to>
-                                    </p:set>
-                                    <p:animEffect transition="in" filter="fade">
-                                      <p:cBhvr>
-                                        <p:cTn id="37" dur="500"/>
-                                        <p:tgtEl>
-                                          <p:spTgt spid="14">
-                                            <p:txEl>
-                                              <p:pRg st="9" end="9"/>
-                                            </p:txEl>
-                                          </p:spTgt>
-                                        </p:tgtEl>
-                                      </p:cBhvr>
-                                    </p:animEffect>
-                                  </p:childTnLst>
-                                </p:cTn>
-                              </p:par>
-                            </p:childTnLst>
-                          </p:cTn>
-                        </p:par>
-                      </p:childTnLst>
-                    </p:cTn>
-                  </p:par>
-                  <p:par>
-                    <p:cTn id="38" fill="hold">
-                      <p:stCondLst>
-                        <p:cond delay="indefinite"/>
-                      </p:stCondLst>
-                      <p:childTnLst>
-                        <p:par>
-                          <p:cTn id="39" fill="hold">
-                            <p:stCondLst>
-                              <p:cond delay="0"/>
-                            </p:stCondLst>
-                            <p:childTnLst>
-                              <p:par>
-                                <p:cTn id="40" presetID="10" presetClass="entr" presetSubtype="0" fill="hold" nodeType="clickEffect">
-                                  <p:stCondLst>
-                                    <p:cond delay="0"/>
-                                  </p:stCondLst>
-                                  <p:childTnLst>
-                                    <p:set>
-                                      <p:cBhvr>
-                                        <p:cTn id="41" dur="1" fill="hold">
-                                          <p:stCondLst>
-                                            <p:cond delay="0"/>
-                                          </p:stCondLst>
-                                        </p:cTn>
-                                        <p:tgtEl>
-                                          <p:spTgt spid="10"/>
-                                        </p:tgtEl>
-                                        <p:attrNameLst>
-                                          <p:attrName>style.visibility</p:attrName>
-                                        </p:attrNameLst>
-                                      </p:cBhvr>
-                                      <p:to>
-                                        <p:strVal val="visible"/>
-                                      </p:to>
-                                    </p:set>
-                                    <p:animEffect transition="in" filter="fade">
-                                      <p:cBhvr>
-                                        <p:cTn id="42" dur="500"/>
-                                        <p:tgtEl>
-                                          <p:spTgt spid="10"/>
-                                        </p:tgtEl>
-                                      </p:cBhvr>
-                                    </p:animEffect>
-                                  </p:childTnLst>
-                                </p:cTn>
-                              </p:par>
-                            </p:childTnLst>
-                          </p:cTn>
-                        </p:par>
-                      </p:childTnLst>
-                    </p:cTn>
-                  </p:par>
-                </p:childTnLst>
-              </p:cTn>
-              <p:prevCondLst>
-                <p:cond evt="onPrev" delay="0">
-                  <p:tgtEl>
-                    <p:sldTgt/>
-                  </p:tgtEl>
-                </p:cond>
-              </p:prevCondLst>
-              <p:nextCondLst>
-                <p:cond evt="onNext" delay="0">
-                  <p:tgtEl>
-                    <p:sldTgt/>
-                  </p:tgtEl>
-                </p:cond>
-              </p:nextCondLst>
-            </p:seq>
-          </p:childTnLst>
-        </p:cTn>
-      </p:par>
-    </p:tnLst>
-  </p:timing>
 </p:sld>
 </file>
 
@@ -14594,366 +13656,6 @@
         </p:nvSpPr>
         <p:spPr>
           <a:xfrm>
-            <a:off x="182098" y="-53430"/>
-            <a:ext cx="6477000" cy="658341"/>
-          </a:xfrm>
-          <a:prstGeom prst="rect">
-            <a:avLst/>
-          </a:prstGeom>
-        </p:spPr>
-        <p:txBody>
-          <a:bodyPr>
-            <a:normAutofit/>
-          </a:bodyPr>
-          <a:lstStyle>
-            <a:lvl1pPr algn="l" defTabSz="457200" rtl="0" eaLnBrk="1" fontAlgn="base" hangingPunct="1">
-              <a:spcBef>
-                <a:spcPct val="0"/>
-              </a:spcBef>
-              <a:spcAft>
-                <a:spcPct val="0"/>
-              </a:spcAft>
-              <a:defRPr sz="3600" b="0" i="0" kern="1200" baseline="0">
-                <a:solidFill>
-                  <a:srgbClr val="18453B"/>
-                </a:solidFill>
-                <a:latin typeface="Gotham-Bold"/>
-                <a:ea typeface="ＭＳ Ｐゴシック" charset="-128"/>
-                <a:cs typeface="Gotham-Bold"/>
-              </a:defRPr>
-            </a:lvl1pPr>
-            <a:lvl2pPr algn="ctr" defTabSz="457200" rtl="0" eaLnBrk="1" fontAlgn="base" hangingPunct="1">
-              <a:spcBef>
-                <a:spcPct val="0"/>
-              </a:spcBef>
-              <a:spcAft>
-                <a:spcPct val="0"/>
-              </a:spcAft>
-              <a:defRPr sz="4400">
-                <a:solidFill>
-                  <a:schemeClr val="tx1"/>
-                </a:solidFill>
-                <a:latin typeface="Gotham Book" charset="0"/>
-                <a:ea typeface="ＭＳ Ｐゴシック" charset="-128"/>
-                <a:cs typeface="ＭＳ Ｐゴシック" charset="-128"/>
-              </a:defRPr>
-            </a:lvl2pPr>
-            <a:lvl3pPr algn="ctr" defTabSz="457200" rtl="0" eaLnBrk="1" fontAlgn="base" hangingPunct="1">
-              <a:spcBef>
-                <a:spcPct val="0"/>
-              </a:spcBef>
-              <a:spcAft>
-                <a:spcPct val="0"/>
-              </a:spcAft>
-              <a:defRPr sz="4400">
-                <a:solidFill>
-                  <a:schemeClr val="tx1"/>
-                </a:solidFill>
-                <a:latin typeface="Gotham Book" charset="0"/>
-                <a:ea typeface="ＭＳ Ｐゴシック" charset="-128"/>
-                <a:cs typeface="ＭＳ Ｐゴシック" charset="-128"/>
-              </a:defRPr>
-            </a:lvl3pPr>
-            <a:lvl4pPr algn="ctr" defTabSz="457200" rtl="0" eaLnBrk="1" fontAlgn="base" hangingPunct="1">
-              <a:spcBef>
-                <a:spcPct val="0"/>
-              </a:spcBef>
-              <a:spcAft>
-                <a:spcPct val="0"/>
-              </a:spcAft>
-              <a:defRPr sz="4400">
-                <a:solidFill>
-                  <a:schemeClr val="tx1"/>
-                </a:solidFill>
-                <a:latin typeface="Gotham Book" charset="0"/>
-                <a:ea typeface="ＭＳ Ｐゴシック" charset="-128"/>
-                <a:cs typeface="ＭＳ Ｐゴシック" charset="-128"/>
-              </a:defRPr>
-            </a:lvl4pPr>
-            <a:lvl5pPr algn="ctr" defTabSz="457200" rtl="0" eaLnBrk="1" fontAlgn="base" hangingPunct="1">
-              <a:spcBef>
-                <a:spcPct val="0"/>
-              </a:spcBef>
-              <a:spcAft>
-                <a:spcPct val="0"/>
-              </a:spcAft>
-              <a:defRPr sz="4400">
-                <a:solidFill>
-                  <a:schemeClr val="tx1"/>
-                </a:solidFill>
-                <a:latin typeface="Gotham Book" charset="0"/>
-                <a:ea typeface="ＭＳ Ｐゴシック" charset="-128"/>
-                <a:cs typeface="ＭＳ Ｐゴシック" charset="-128"/>
-              </a:defRPr>
-            </a:lvl5pPr>
-            <a:lvl6pPr marL="457200" algn="ctr" defTabSz="457200" rtl="0" eaLnBrk="1" fontAlgn="base" hangingPunct="1">
-              <a:spcBef>
-                <a:spcPct val="0"/>
-              </a:spcBef>
-              <a:spcAft>
-                <a:spcPct val="0"/>
-              </a:spcAft>
-              <a:defRPr sz="4400">
-                <a:solidFill>
-                  <a:schemeClr val="tx1"/>
-                </a:solidFill>
-                <a:latin typeface="Gotham Book" charset="0"/>
-                <a:ea typeface="ＭＳ Ｐゴシック" charset="-128"/>
-                <a:cs typeface="ＭＳ Ｐゴシック" charset="-128"/>
-              </a:defRPr>
-            </a:lvl6pPr>
-            <a:lvl7pPr marL="914400" algn="ctr" defTabSz="457200" rtl="0" eaLnBrk="1" fontAlgn="base" hangingPunct="1">
-              <a:spcBef>
-                <a:spcPct val="0"/>
-              </a:spcBef>
-              <a:spcAft>
-                <a:spcPct val="0"/>
-              </a:spcAft>
-              <a:defRPr sz="4400">
-                <a:solidFill>
-                  <a:schemeClr val="tx1"/>
-                </a:solidFill>
-                <a:latin typeface="Gotham Book" charset="0"/>
-                <a:ea typeface="ＭＳ Ｐゴシック" charset="-128"/>
-                <a:cs typeface="ＭＳ Ｐゴシック" charset="-128"/>
-              </a:defRPr>
-            </a:lvl7pPr>
-            <a:lvl8pPr marL="1371600" algn="ctr" defTabSz="457200" rtl="0" eaLnBrk="1" fontAlgn="base" hangingPunct="1">
-              <a:spcBef>
-                <a:spcPct val="0"/>
-              </a:spcBef>
-              <a:spcAft>
-                <a:spcPct val="0"/>
-              </a:spcAft>
-              <a:defRPr sz="4400">
-                <a:solidFill>
-                  <a:schemeClr val="tx1"/>
-                </a:solidFill>
-                <a:latin typeface="Gotham Book" charset="0"/>
-                <a:ea typeface="ＭＳ Ｐゴシック" charset="-128"/>
-                <a:cs typeface="ＭＳ Ｐゴシック" charset="-128"/>
-              </a:defRPr>
-            </a:lvl8pPr>
-            <a:lvl9pPr marL="1828800" algn="ctr" defTabSz="457200" rtl="0" eaLnBrk="1" fontAlgn="base" hangingPunct="1">
-              <a:spcBef>
-                <a:spcPct val="0"/>
-              </a:spcBef>
-              <a:spcAft>
-                <a:spcPct val="0"/>
-              </a:spcAft>
-              <a:defRPr sz="4400">
-                <a:solidFill>
-                  <a:schemeClr val="tx1"/>
-                </a:solidFill>
-                <a:latin typeface="Gotham Book" charset="0"/>
-                <a:ea typeface="ＭＳ Ｐゴシック" charset="-128"/>
-                <a:cs typeface="ＭＳ Ｐゴシック" charset="-128"/>
-              </a:defRPr>
-            </a:lvl9pPr>
-          </a:lstStyle>
-          <a:p>
-            <a:r>
-              <a:rPr lang="en-US" sz="3500" dirty="0">
-                <a:solidFill>
-                  <a:schemeClr val="bg1"/>
-                </a:solidFill>
-              </a:rPr>
-              <a:t>Advertising data results</a:t>
-            </a:r>
-          </a:p>
-        </p:txBody>
-      </p:sp>
-      <p:pic>
-        <p:nvPicPr>
-          <p:cNvPr id="8" name="Picture 7">
-            <a:extLst>
-              <a:ext uri="{FF2B5EF4-FFF2-40B4-BE49-F238E27FC236}">
-                <a16:creationId xmlns:a16="http://schemas.microsoft.com/office/drawing/2014/main" id="{0F1EBAA1-8196-4519-9D64-7D96AE56FA77}"/>
-              </a:ext>
-            </a:extLst>
-          </p:cNvPr>
-          <p:cNvPicPr>
-            <a:picLocks noChangeAspect="1"/>
-          </p:cNvPicPr>
-          <p:nvPr/>
-        </p:nvPicPr>
-        <p:blipFill>
-          <a:blip r:embed="rId3"/>
-          <a:stretch>
-            <a:fillRect/>
-          </a:stretch>
-        </p:blipFill>
-        <p:spPr>
-          <a:xfrm>
-            <a:off x="626768" y="1660841"/>
-            <a:ext cx="8059275" cy="2219635"/>
-          </a:xfrm>
-          <a:prstGeom prst="rect">
-            <a:avLst/>
-          </a:prstGeom>
-        </p:spPr>
-      </p:pic>
-    </p:spTree>
-    <p:extLst>
-      <p:ext uri="{BB962C8B-B14F-4D97-AF65-F5344CB8AC3E}">
-        <p14:creationId xmlns:p14="http://schemas.microsoft.com/office/powerpoint/2010/main" val="3105362843"/>
-      </p:ext>
-    </p:extLst>
-  </p:cSld>
-  <p:clrMapOvr>
-    <a:masterClrMapping/>
-  </p:clrMapOvr>
-  <p:timing>
-    <p:tnLst>
-      <p:par>
-        <p:cTn id="1" dur="indefinite" restart="never" nodeType="tmRoot">
-          <p:childTnLst>
-            <p:seq concurrent="1" nextAc="seek">
-              <p:cTn id="2" dur="indefinite" nodeType="mainSeq">
-                <p:childTnLst>
-                  <p:par>
-                    <p:cTn id="3" fill="hold">
-                      <p:stCondLst>
-                        <p:cond delay="indefinite"/>
-                      </p:stCondLst>
-                      <p:childTnLst>
-                        <p:par>
-                          <p:cTn id="4" fill="hold">
-                            <p:stCondLst>
-                              <p:cond delay="0"/>
-                            </p:stCondLst>
-                            <p:childTnLst>
-                              <p:par>
-                                <p:cTn id="5" presetID="10" presetClass="entr" presetSubtype="0" fill="hold" nodeType="clickEffect">
-                                  <p:stCondLst>
-                                    <p:cond delay="0"/>
-                                  </p:stCondLst>
-                                  <p:childTnLst>
-                                    <p:set>
-                                      <p:cBhvr>
-                                        <p:cTn id="6" dur="1" fill="hold">
-                                          <p:stCondLst>
-                                            <p:cond delay="0"/>
-                                          </p:stCondLst>
-                                        </p:cTn>
-                                        <p:tgtEl>
-                                          <p:spTgt spid="8"/>
-                                        </p:tgtEl>
-                                        <p:attrNameLst>
-                                          <p:attrName>style.visibility</p:attrName>
-                                        </p:attrNameLst>
-                                      </p:cBhvr>
-                                      <p:to>
-                                        <p:strVal val="visible"/>
-                                      </p:to>
-                                    </p:set>
-                                    <p:animEffect transition="in" filter="fade">
-                                      <p:cBhvr>
-                                        <p:cTn id="7" dur="500"/>
-                                        <p:tgtEl>
-                                          <p:spTgt spid="8"/>
-                                        </p:tgtEl>
-                                      </p:cBhvr>
-                                    </p:animEffect>
-                                  </p:childTnLst>
-                                </p:cTn>
-                              </p:par>
-                            </p:childTnLst>
-                          </p:cTn>
-                        </p:par>
-                      </p:childTnLst>
-                    </p:cTn>
-                  </p:par>
-                </p:childTnLst>
-              </p:cTn>
-              <p:prevCondLst>
-                <p:cond evt="onPrev" delay="0">
-                  <p:tgtEl>
-                    <p:sldTgt/>
-                  </p:tgtEl>
-                </p:cond>
-              </p:prevCondLst>
-              <p:nextCondLst>
-                <p:cond evt="onNext" delay="0">
-                  <p:tgtEl>
-                    <p:sldTgt/>
-                  </p:tgtEl>
-                </p:cond>
-              </p:nextCondLst>
-            </p:seq>
-          </p:childTnLst>
-        </p:cTn>
-      </p:par>
-    </p:tnLst>
-  </p:timing>
-</p:sld>
-</file>
-
-<file path=ppt/slides/slide21.xml><?xml version="1.0" encoding="utf-8"?>
-<p:sld xmlns:a="http://schemas.openxmlformats.org/drawingml/2006/main" xmlns:r="http://schemas.openxmlformats.org/officeDocument/2006/relationships" xmlns:p="http://schemas.openxmlformats.org/presentationml/2006/main">
-  <p:cSld>
-    <p:spTree>
-      <p:nvGrpSpPr>
-        <p:cNvPr id="1" name=""/>
-        <p:cNvGrpSpPr/>
-        <p:nvPr/>
-      </p:nvGrpSpPr>
-      <p:grpSpPr>
-        <a:xfrm>
-          <a:off x="0" y="0"/>
-          <a:ext cx="0" cy="0"/>
-          <a:chOff x="0" y="0"/>
-          <a:chExt cx="0" cy="0"/>
-        </a:xfrm>
-      </p:grpSpPr>
-      <p:sp>
-        <p:nvSpPr>
-          <p:cNvPr id="4" name="Footer Placeholder 3">
-            <a:extLst>
-              <a:ext uri="{FF2B5EF4-FFF2-40B4-BE49-F238E27FC236}">
-                <a16:creationId xmlns:a16="http://schemas.microsoft.com/office/drawing/2014/main" id="{268784AC-CBE3-4D90-86A9-29B7010FEAAC}"/>
-              </a:ext>
-            </a:extLst>
-          </p:cNvPr>
-          <p:cNvSpPr>
-            <a:spLocks noGrp="1"/>
-          </p:cNvSpPr>
-          <p:nvPr>
-            <p:ph type="ftr" sz="quarter" idx="11"/>
-          </p:nvPr>
-        </p:nvSpPr>
-        <p:spPr/>
-        <p:txBody>
-          <a:bodyPr/>
-          <a:lstStyle/>
-          <a:p>
-            <a:pPr>
-              <a:defRPr/>
-            </a:pPr>
-            <a:r>
-              <a:rPr lang="es-ES" dirty="0"/>
-              <a:t>Yuying Xie</a:t>
-            </a:r>
-            <a:endParaRPr lang="en-US" dirty="0"/>
-          </a:p>
-        </p:txBody>
-      </p:sp>
-      <p:sp>
-        <p:nvSpPr>
-          <p:cNvPr id="5" name="Title 1">
-            <a:extLst>
-              <a:ext uri="{FF2B5EF4-FFF2-40B4-BE49-F238E27FC236}">
-                <a16:creationId xmlns:a16="http://schemas.microsoft.com/office/drawing/2014/main" id="{A07B4E21-E2F7-4D3A-B701-98F769AE9D23}"/>
-              </a:ext>
-            </a:extLst>
-          </p:cNvPr>
-          <p:cNvSpPr txBox="1">
-            <a:spLocks/>
-          </p:cNvSpPr>
-          <p:nvPr/>
-        </p:nvSpPr>
-        <p:spPr>
-          <a:xfrm>
             <a:off x="196166" y="-89109"/>
             <a:ext cx="6477000" cy="990600"/>
           </a:xfrm>
@@ -15544,7 +14246,7 @@
 </p:sld>
 </file>
 
-<file path=ppt/slides/slide22.xml><?xml version="1.0" encoding="utf-8"?>
+<file path=ppt/slides/slide21.xml><?xml version="1.0" encoding="utf-8"?>
 <p:sld xmlns:a="http://schemas.openxmlformats.org/drawingml/2006/main" xmlns:r="http://schemas.openxmlformats.org/officeDocument/2006/relationships" xmlns:p="http://schemas.openxmlformats.org/presentationml/2006/main">
   <p:cSld>
     <p:spTree>
@@ -16031,7 +14733,7 @@
 </p:sld>
 </file>
 
-<file path=ppt/slides/slide23.xml><?xml version="1.0" encoding="utf-8"?>
+<file path=ppt/slides/slide22.xml><?xml version="1.0" encoding="utf-8"?>
 <p:sld xmlns:a="http://schemas.openxmlformats.org/drawingml/2006/main" xmlns:r="http://schemas.openxmlformats.org/officeDocument/2006/relationships" xmlns:p="http://schemas.openxmlformats.org/presentationml/2006/main">
   <p:cSld>
     <p:spTree>
@@ -16313,7 +15015,7 @@
 </p:sld>
 </file>
 
-<file path=ppt/slides/slide24.xml><?xml version="1.0" encoding="utf-8"?>
+<file path=ppt/slides/slide23.xml><?xml version="1.0" encoding="utf-8"?>
 <p:sld xmlns:a="http://schemas.openxmlformats.org/drawingml/2006/main" xmlns:r="http://schemas.openxmlformats.org/officeDocument/2006/relationships" xmlns:p="http://schemas.openxmlformats.org/presentationml/2006/main">
   <p:cSld>
     <p:spTree>
@@ -16828,7 +15530,7 @@
 </p:sld>
 </file>
 
-<file path=ppt/slides/slide25.xml><?xml version="1.0" encoding="utf-8"?>
+<file path=ppt/slides/slide24.xml><?xml version="1.0" encoding="utf-8"?>
 <p:sld xmlns:a="http://schemas.openxmlformats.org/drawingml/2006/main" xmlns:r="http://schemas.openxmlformats.org/officeDocument/2006/relationships" xmlns:p="http://schemas.openxmlformats.org/presentationml/2006/main">
   <p:cSld>
     <p:spTree>
@@ -17193,7 +15895,7 @@
 </p:sld>
 </file>
 
-<file path=ppt/slides/slide26.xml><?xml version="1.0" encoding="utf-8"?>
+<file path=ppt/slides/slide25.xml><?xml version="1.0" encoding="utf-8"?>
 <p:sld xmlns:a="http://schemas.openxmlformats.org/drawingml/2006/main" xmlns:r="http://schemas.openxmlformats.org/officeDocument/2006/relationships" xmlns:p="http://schemas.openxmlformats.org/presentationml/2006/main">
   <p:cSld>
     <p:spTree>
@@ -17891,7 +16593,7 @@
 </p:sld>
 </file>
 
-<file path=ppt/slides/slide27.xml><?xml version="1.0" encoding="utf-8"?>
+<file path=ppt/slides/slide26.xml><?xml version="1.0" encoding="utf-8"?>
 <p:sld xmlns:a="http://schemas.openxmlformats.org/drawingml/2006/main" xmlns:r="http://schemas.openxmlformats.org/officeDocument/2006/relationships" xmlns:p="http://schemas.openxmlformats.org/presentationml/2006/main">
   <p:cSld>
     <p:spTree>
@@ -18645,7 +17347,7 @@
 </p:sld>
 </file>
 
-<file path=ppt/slides/slide28.xml><?xml version="1.0" encoding="utf-8"?>
+<file path=ppt/slides/slide27.xml><?xml version="1.0" encoding="utf-8"?>
 <p:sld xmlns:a="http://schemas.openxmlformats.org/drawingml/2006/main" xmlns:r="http://schemas.openxmlformats.org/officeDocument/2006/relationships" xmlns:p="http://schemas.openxmlformats.org/presentationml/2006/main">
   <p:cSld>
     <p:spTree>
@@ -19210,7 +17912,7 @@
 </p:sld>
 </file>
 
-<file path=ppt/slides/slide29.xml><?xml version="1.0" encoding="utf-8"?>
+<file path=ppt/slides/slide28.xml><?xml version="1.0" encoding="utf-8"?>
 <p:sld xmlns:a="http://schemas.openxmlformats.org/drawingml/2006/main" xmlns:r="http://schemas.openxmlformats.org/officeDocument/2006/relationships" xmlns:p="http://schemas.openxmlformats.org/presentationml/2006/main">
   <p:cSld>
     <p:spTree>
@@ -19804,289 +18506,7 @@
 </p:sld>
 </file>
 
-<file path=ppt/slides/slide3.xml><?xml version="1.0" encoding="utf-8"?>
-<p:sld xmlns:a="http://schemas.openxmlformats.org/drawingml/2006/main" xmlns:r="http://schemas.openxmlformats.org/officeDocument/2006/relationships" xmlns:p="http://schemas.openxmlformats.org/presentationml/2006/main">
-  <p:cSld>
-    <p:spTree>
-      <p:nvGrpSpPr>
-        <p:cNvPr id="1" name=""/>
-        <p:cNvGrpSpPr/>
-        <p:nvPr/>
-      </p:nvGrpSpPr>
-      <p:grpSpPr>
-        <a:xfrm>
-          <a:off x="0" y="0"/>
-          <a:ext cx="0" cy="0"/>
-          <a:chOff x="0" y="0"/>
-          <a:chExt cx="0" cy="0"/>
-        </a:xfrm>
-      </p:grpSpPr>
-      <p:sp>
-        <p:nvSpPr>
-          <p:cNvPr id="4" name="Footer Placeholder 3">
-            <a:extLst>
-              <a:ext uri="{FF2B5EF4-FFF2-40B4-BE49-F238E27FC236}">
-                <a16:creationId xmlns:a16="http://schemas.microsoft.com/office/drawing/2014/main" id="{268784AC-CBE3-4D90-86A9-29B7010FEAAC}"/>
-              </a:ext>
-            </a:extLst>
-          </p:cNvPr>
-          <p:cNvSpPr>
-            <a:spLocks noGrp="1"/>
-          </p:cNvSpPr>
-          <p:nvPr>
-            <p:ph type="ftr" sz="quarter" idx="11"/>
-          </p:nvPr>
-        </p:nvSpPr>
-        <p:spPr/>
-        <p:txBody>
-          <a:bodyPr/>
-          <a:lstStyle/>
-          <a:p>
-            <a:pPr>
-              <a:defRPr/>
-            </a:pPr>
-            <a:r>
-              <a:rPr lang="es-ES" dirty="0"/>
-              <a:t>Yuying Xie</a:t>
-            </a:r>
-            <a:endParaRPr lang="en-US" dirty="0"/>
-          </a:p>
-        </p:txBody>
-      </p:sp>
-      <p:sp>
-        <p:nvSpPr>
-          <p:cNvPr id="5" name="Title 1">
-            <a:extLst>
-              <a:ext uri="{FF2B5EF4-FFF2-40B4-BE49-F238E27FC236}">
-                <a16:creationId xmlns:a16="http://schemas.microsoft.com/office/drawing/2014/main" id="{A07B4E21-E2F7-4D3A-B701-98F769AE9D23}"/>
-              </a:ext>
-            </a:extLst>
-          </p:cNvPr>
-          <p:cNvSpPr txBox="1">
-            <a:spLocks/>
-          </p:cNvSpPr>
-          <p:nvPr/>
-        </p:nvSpPr>
-        <p:spPr>
-          <a:xfrm>
-            <a:off x="196166" y="-89109"/>
-            <a:ext cx="6477000" cy="990600"/>
-          </a:xfrm>
-          <a:prstGeom prst="rect">
-            <a:avLst/>
-          </a:prstGeom>
-        </p:spPr>
-        <p:txBody>
-          <a:bodyPr>
-            <a:normAutofit/>
-          </a:bodyPr>
-          <a:lstStyle>
-            <a:lvl1pPr algn="l" defTabSz="457200" rtl="0" eaLnBrk="1" fontAlgn="base" hangingPunct="1">
-              <a:spcBef>
-                <a:spcPct val="0"/>
-              </a:spcBef>
-              <a:spcAft>
-                <a:spcPct val="0"/>
-              </a:spcAft>
-              <a:defRPr sz="3600" b="0" i="0" kern="1200" baseline="0">
-                <a:solidFill>
-                  <a:srgbClr val="18453B"/>
-                </a:solidFill>
-                <a:latin typeface="Gotham-Bold"/>
-                <a:ea typeface="ＭＳ Ｐゴシック" charset="-128"/>
-                <a:cs typeface="Gotham-Bold"/>
-              </a:defRPr>
-            </a:lvl1pPr>
-            <a:lvl2pPr algn="ctr" defTabSz="457200" rtl="0" eaLnBrk="1" fontAlgn="base" hangingPunct="1">
-              <a:spcBef>
-                <a:spcPct val="0"/>
-              </a:spcBef>
-              <a:spcAft>
-                <a:spcPct val="0"/>
-              </a:spcAft>
-              <a:defRPr sz="4400">
-                <a:solidFill>
-                  <a:schemeClr val="tx1"/>
-                </a:solidFill>
-                <a:latin typeface="Gotham Book" charset="0"/>
-                <a:ea typeface="ＭＳ Ｐゴシック" charset="-128"/>
-                <a:cs typeface="ＭＳ Ｐゴシック" charset="-128"/>
-              </a:defRPr>
-            </a:lvl2pPr>
-            <a:lvl3pPr algn="ctr" defTabSz="457200" rtl="0" eaLnBrk="1" fontAlgn="base" hangingPunct="1">
-              <a:spcBef>
-                <a:spcPct val="0"/>
-              </a:spcBef>
-              <a:spcAft>
-                <a:spcPct val="0"/>
-              </a:spcAft>
-              <a:defRPr sz="4400">
-                <a:solidFill>
-                  <a:schemeClr val="tx1"/>
-                </a:solidFill>
-                <a:latin typeface="Gotham Book" charset="0"/>
-                <a:ea typeface="ＭＳ Ｐゴシック" charset="-128"/>
-                <a:cs typeface="ＭＳ Ｐゴシック" charset="-128"/>
-              </a:defRPr>
-            </a:lvl3pPr>
-            <a:lvl4pPr algn="ctr" defTabSz="457200" rtl="0" eaLnBrk="1" fontAlgn="base" hangingPunct="1">
-              <a:spcBef>
-                <a:spcPct val="0"/>
-              </a:spcBef>
-              <a:spcAft>
-                <a:spcPct val="0"/>
-              </a:spcAft>
-              <a:defRPr sz="4400">
-                <a:solidFill>
-                  <a:schemeClr val="tx1"/>
-                </a:solidFill>
-                <a:latin typeface="Gotham Book" charset="0"/>
-                <a:ea typeface="ＭＳ Ｐゴシック" charset="-128"/>
-                <a:cs typeface="ＭＳ Ｐゴシック" charset="-128"/>
-              </a:defRPr>
-            </a:lvl4pPr>
-            <a:lvl5pPr algn="ctr" defTabSz="457200" rtl="0" eaLnBrk="1" fontAlgn="base" hangingPunct="1">
-              <a:spcBef>
-                <a:spcPct val="0"/>
-              </a:spcBef>
-              <a:spcAft>
-                <a:spcPct val="0"/>
-              </a:spcAft>
-              <a:defRPr sz="4400">
-                <a:solidFill>
-                  <a:schemeClr val="tx1"/>
-                </a:solidFill>
-                <a:latin typeface="Gotham Book" charset="0"/>
-                <a:ea typeface="ＭＳ Ｐゴシック" charset="-128"/>
-                <a:cs typeface="ＭＳ Ｐゴシック" charset="-128"/>
-              </a:defRPr>
-            </a:lvl5pPr>
-            <a:lvl6pPr marL="457200" algn="ctr" defTabSz="457200" rtl="0" eaLnBrk="1" fontAlgn="base" hangingPunct="1">
-              <a:spcBef>
-                <a:spcPct val="0"/>
-              </a:spcBef>
-              <a:spcAft>
-                <a:spcPct val="0"/>
-              </a:spcAft>
-              <a:defRPr sz="4400">
-                <a:solidFill>
-                  <a:schemeClr val="tx1"/>
-                </a:solidFill>
-                <a:latin typeface="Gotham Book" charset="0"/>
-                <a:ea typeface="ＭＳ Ｐゴシック" charset="-128"/>
-                <a:cs typeface="ＭＳ Ｐゴシック" charset="-128"/>
-              </a:defRPr>
-            </a:lvl6pPr>
-            <a:lvl7pPr marL="914400" algn="ctr" defTabSz="457200" rtl="0" eaLnBrk="1" fontAlgn="base" hangingPunct="1">
-              <a:spcBef>
-                <a:spcPct val="0"/>
-              </a:spcBef>
-              <a:spcAft>
-                <a:spcPct val="0"/>
-              </a:spcAft>
-              <a:defRPr sz="4400">
-                <a:solidFill>
-                  <a:schemeClr val="tx1"/>
-                </a:solidFill>
-                <a:latin typeface="Gotham Book" charset="0"/>
-                <a:ea typeface="ＭＳ Ｐゴシック" charset="-128"/>
-                <a:cs typeface="ＭＳ Ｐゴシック" charset="-128"/>
-              </a:defRPr>
-            </a:lvl7pPr>
-            <a:lvl8pPr marL="1371600" algn="ctr" defTabSz="457200" rtl="0" eaLnBrk="1" fontAlgn="base" hangingPunct="1">
-              <a:spcBef>
-                <a:spcPct val="0"/>
-              </a:spcBef>
-              <a:spcAft>
-                <a:spcPct val="0"/>
-              </a:spcAft>
-              <a:defRPr sz="4400">
-                <a:solidFill>
-                  <a:schemeClr val="tx1"/>
-                </a:solidFill>
-                <a:latin typeface="Gotham Book" charset="0"/>
-                <a:ea typeface="ＭＳ Ｐゴシック" charset="-128"/>
-                <a:cs typeface="ＭＳ Ｐゴシック" charset="-128"/>
-              </a:defRPr>
-            </a:lvl8pPr>
-            <a:lvl9pPr marL="1828800" algn="ctr" defTabSz="457200" rtl="0" eaLnBrk="1" fontAlgn="base" hangingPunct="1">
-              <a:spcBef>
-                <a:spcPct val="0"/>
-              </a:spcBef>
-              <a:spcAft>
-                <a:spcPct val="0"/>
-              </a:spcAft>
-              <a:defRPr sz="4400">
-                <a:solidFill>
-                  <a:schemeClr val="tx1"/>
-                </a:solidFill>
-                <a:latin typeface="Gotham Book" charset="0"/>
-                <a:ea typeface="ＭＳ Ｐゴシック" charset="-128"/>
-                <a:cs typeface="ＭＳ Ｐゴシック" charset="-128"/>
-              </a:defRPr>
-            </a:lvl9pPr>
-          </a:lstStyle>
-          <a:p>
-            <a:r>
-              <a:rPr lang="en-US" altLang="zh-CN" sz="3500" dirty="0">
-                <a:solidFill>
-                  <a:schemeClr val="bg1"/>
-                </a:solidFill>
-              </a:rPr>
-              <a:t>Topics</a:t>
-            </a:r>
-            <a:endParaRPr lang="en-US" sz="3500" dirty="0">
-              <a:solidFill>
-                <a:schemeClr val="bg1"/>
-              </a:solidFill>
-            </a:endParaRPr>
-          </a:p>
-        </p:txBody>
-      </p:sp>
-      <p:pic>
-        <p:nvPicPr>
-          <p:cNvPr id="3" name="Picture 2" descr="Text&#10;&#10;Description automatically generated">
-            <a:extLst>
-              <a:ext uri="{FF2B5EF4-FFF2-40B4-BE49-F238E27FC236}">
-                <a16:creationId xmlns:a16="http://schemas.microsoft.com/office/drawing/2014/main" id="{B000805F-5662-E0FE-675C-7717C0E3D644}"/>
-              </a:ext>
-            </a:extLst>
-          </p:cNvPr>
-          <p:cNvPicPr>
-            <a:picLocks noChangeAspect="1"/>
-          </p:cNvPicPr>
-          <p:nvPr/>
-        </p:nvPicPr>
-        <p:blipFill>
-          <a:blip r:embed="rId3"/>
-          <a:stretch>
-            <a:fillRect/>
-          </a:stretch>
-        </p:blipFill>
-        <p:spPr>
-          <a:xfrm>
-            <a:off x="196166" y="1610819"/>
-            <a:ext cx="5265397" cy="3847005"/>
-          </a:xfrm>
-          <a:prstGeom prst="rect">
-            <a:avLst/>
-          </a:prstGeom>
-        </p:spPr>
-      </p:pic>
-    </p:spTree>
-    <p:extLst>
-      <p:ext uri="{BB962C8B-B14F-4D97-AF65-F5344CB8AC3E}">
-        <p14:creationId xmlns:p14="http://schemas.microsoft.com/office/powerpoint/2010/main" val="3460812320"/>
-      </p:ext>
-    </p:extLst>
-  </p:cSld>
-  <p:clrMapOvr>
-    <a:masterClrMapping/>
-  </p:clrMapOvr>
-</p:sld>
-</file>
-
-<file path=ppt/slides/slide30.xml><?xml version="1.0" encoding="utf-8"?>
+<file path=ppt/slides/slide29.xml><?xml version="1.0" encoding="utf-8"?>
 <p:sld xmlns:a="http://schemas.openxmlformats.org/drawingml/2006/main" xmlns:r="http://schemas.openxmlformats.org/officeDocument/2006/relationships" xmlns:p="http://schemas.openxmlformats.org/presentationml/2006/main">
   <p:cSld>
     <p:spTree>
@@ -20696,7 +19116,289 @@
 </p:sld>
 </file>
 
-<file path=ppt/slides/slide31.xml><?xml version="1.0" encoding="utf-8"?>
+<file path=ppt/slides/slide3.xml><?xml version="1.0" encoding="utf-8"?>
+<p:sld xmlns:a="http://schemas.openxmlformats.org/drawingml/2006/main" xmlns:r="http://schemas.openxmlformats.org/officeDocument/2006/relationships" xmlns:p="http://schemas.openxmlformats.org/presentationml/2006/main">
+  <p:cSld>
+    <p:spTree>
+      <p:nvGrpSpPr>
+        <p:cNvPr id="1" name=""/>
+        <p:cNvGrpSpPr/>
+        <p:nvPr/>
+      </p:nvGrpSpPr>
+      <p:grpSpPr>
+        <a:xfrm>
+          <a:off x="0" y="0"/>
+          <a:ext cx="0" cy="0"/>
+          <a:chOff x="0" y="0"/>
+          <a:chExt cx="0" cy="0"/>
+        </a:xfrm>
+      </p:grpSpPr>
+      <p:sp>
+        <p:nvSpPr>
+          <p:cNvPr id="4" name="Footer Placeholder 3">
+            <a:extLst>
+              <a:ext uri="{FF2B5EF4-FFF2-40B4-BE49-F238E27FC236}">
+                <a16:creationId xmlns:a16="http://schemas.microsoft.com/office/drawing/2014/main" id="{268784AC-CBE3-4D90-86A9-29B7010FEAAC}"/>
+              </a:ext>
+            </a:extLst>
+          </p:cNvPr>
+          <p:cNvSpPr>
+            <a:spLocks noGrp="1"/>
+          </p:cNvSpPr>
+          <p:nvPr>
+            <p:ph type="ftr" sz="quarter" idx="11"/>
+          </p:nvPr>
+        </p:nvSpPr>
+        <p:spPr/>
+        <p:txBody>
+          <a:bodyPr/>
+          <a:lstStyle/>
+          <a:p>
+            <a:pPr>
+              <a:defRPr/>
+            </a:pPr>
+            <a:r>
+              <a:rPr lang="es-ES" dirty="0"/>
+              <a:t>Yuying Xie</a:t>
+            </a:r>
+            <a:endParaRPr lang="en-US" dirty="0"/>
+          </a:p>
+        </p:txBody>
+      </p:sp>
+      <p:sp>
+        <p:nvSpPr>
+          <p:cNvPr id="5" name="Title 1">
+            <a:extLst>
+              <a:ext uri="{FF2B5EF4-FFF2-40B4-BE49-F238E27FC236}">
+                <a16:creationId xmlns:a16="http://schemas.microsoft.com/office/drawing/2014/main" id="{A07B4E21-E2F7-4D3A-B701-98F769AE9D23}"/>
+              </a:ext>
+            </a:extLst>
+          </p:cNvPr>
+          <p:cNvSpPr txBox="1">
+            <a:spLocks/>
+          </p:cNvSpPr>
+          <p:nvPr/>
+        </p:nvSpPr>
+        <p:spPr>
+          <a:xfrm>
+            <a:off x="196166" y="-89109"/>
+            <a:ext cx="6477000" cy="990600"/>
+          </a:xfrm>
+          <a:prstGeom prst="rect">
+            <a:avLst/>
+          </a:prstGeom>
+        </p:spPr>
+        <p:txBody>
+          <a:bodyPr>
+            <a:normAutofit/>
+          </a:bodyPr>
+          <a:lstStyle>
+            <a:lvl1pPr algn="l" defTabSz="457200" rtl="0" eaLnBrk="1" fontAlgn="base" hangingPunct="1">
+              <a:spcBef>
+                <a:spcPct val="0"/>
+              </a:spcBef>
+              <a:spcAft>
+                <a:spcPct val="0"/>
+              </a:spcAft>
+              <a:defRPr sz="3600" b="0" i="0" kern="1200" baseline="0">
+                <a:solidFill>
+                  <a:srgbClr val="18453B"/>
+                </a:solidFill>
+                <a:latin typeface="Gotham-Bold"/>
+                <a:ea typeface="ＭＳ Ｐゴシック" charset="-128"/>
+                <a:cs typeface="Gotham-Bold"/>
+              </a:defRPr>
+            </a:lvl1pPr>
+            <a:lvl2pPr algn="ctr" defTabSz="457200" rtl="0" eaLnBrk="1" fontAlgn="base" hangingPunct="1">
+              <a:spcBef>
+                <a:spcPct val="0"/>
+              </a:spcBef>
+              <a:spcAft>
+                <a:spcPct val="0"/>
+              </a:spcAft>
+              <a:defRPr sz="4400">
+                <a:solidFill>
+                  <a:schemeClr val="tx1"/>
+                </a:solidFill>
+                <a:latin typeface="Gotham Book" charset="0"/>
+                <a:ea typeface="ＭＳ Ｐゴシック" charset="-128"/>
+                <a:cs typeface="ＭＳ Ｐゴシック" charset="-128"/>
+              </a:defRPr>
+            </a:lvl2pPr>
+            <a:lvl3pPr algn="ctr" defTabSz="457200" rtl="0" eaLnBrk="1" fontAlgn="base" hangingPunct="1">
+              <a:spcBef>
+                <a:spcPct val="0"/>
+              </a:spcBef>
+              <a:spcAft>
+                <a:spcPct val="0"/>
+              </a:spcAft>
+              <a:defRPr sz="4400">
+                <a:solidFill>
+                  <a:schemeClr val="tx1"/>
+                </a:solidFill>
+                <a:latin typeface="Gotham Book" charset="0"/>
+                <a:ea typeface="ＭＳ Ｐゴシック" charset="-128"/>
+                <a:cs typeface="ＭＳ Ｐゴシック" charset="-128"/>
+              </a:defRPr>
+            </a:lvl3pPr>
+            <a:lvl4pPr algn="ctr" defTabSz="457200" rtl="0" eaLnBrk="1" fontAlgn="base" hangingPunct="1">
+              <a:spcBef>
+                <a:spcPct val="0"/>
+              </a:spcBef>
+              <a:spcAft>
+                <a:spcPct val="0"/>
+              </a:spcAft>
+              <a:defRPr sz="4400">
+                <a:solidFill>
+                  <a:schemeClr val="tx1"/>
+                </a:solidFill>
+                <a:latin typeface="Gotham Book" charset="0"/>
+                <a:ea typeface="ＭＳ Ｐゴシック" charset="-128"/>
+                <a:cs typeface="ＭＳ Ｐゴシック" charset="-128"/>
+              </a:defRPr>
+            </a:lvl4pPr>
+            <a:lvl5pPr algn="ctr" defTabSz="457200" rtl="0" eaLnBrk="1" fontAlgn="base" hangingPunct="1">
+              <a:spcBef>
+                <a:spcPct val="0"/>
+              </a:spcBef>
+              <a:spcAft>
+                <a:spcPct val="0"/>
+              </a:spcAft>
+              <a:defRPr sz="4400">
+                <a:solidFill>
+                  <a:schemeClr val="tx1"/>
+                </a:solidFill>
+                <a:latin typeface="Gotham Book" charset="0"/>
+                <a:ea typeface="ＭＳ Ｐゴシック" charset="-128"/>
+                <a:cs typeface="ＭＳ Ｐゴシック" charset="-128"/>
+              </a:defRPr>
+            </a:lvl5pPr>
+            <a:lvl6pPr marL="457200" algn="ctr" defTabSz="457200" rtl="0" eaLnBrk="1" fontAlgn="base" hangingPunct="1">
+              <a:spcBef>
+                <a:spcPct val="0"/>
+              </a:spcBef>
+              <a:spcAft>
+                <a:spcPct val="0"/>
+              </a:spcAft>
+              <a:defRPr sz="4400">
+                <a:solidFill>
+                  <a:schemeClr val="tx1"/>
+                </a:solidFill>
+                <a:latin typeface="Gotham Book" charset="0"/>
+                <a:ea typeface="ＭＳ Ｐゴシック" charset="-128"/>
+                <a:cs typeface="ＭＳ Ｐゴシック" charset="-128"/>
+              </a:defRPr>
+            </a:lvl6pPr>
+            <a:lvl7pPr marL="914400" algn="ctr" defTabSz="457200" rtl="0" eaLnBrk="1" fontAlgn="base" hangingPunct="1">
+              <a:spcBef>
+                <a:spcPct val="0"/>
+              </a:spcBef>
+              <a:spcAft>
+                <a:spcPct val="0"/>
+              </a:spcAft>
+              <a:defRPr sz="4400">
+                <a:solidFill>
+                  <a:schemeClr val="tx1"/>
+                </a:solidFill>
+                <a:latin typeface="Gotham Book" charset="0"/>
+                <a:ea typeface="ＭＳ Ｐゴシック" charset="-128"/>
+                <a:cs typeface="ＭＳ Ｐゴシック" charset="-128"/>
+              </a:defRPr>
+            </a:lvl7pPr>
+            <a:lvl8pPr marL="1371600" algn="ctr" defTabSz="457200" rtl="0" eaLnBrk="1" fontAlgn="base" hangingPunct="1">
+              <a:spcBef>
+                <a:spcPct val="0"/>
+              </a:spcBef>
+              <a:spcAft>
+                <a:spcPct val="0"/>
+              </a:spcAft>
+              <a:defRPr sz="4400">
+                <a:solidFill>
+                  <a:schemeClr val="tx1"/>
+                </a:solidFill>
+                <a:latin typeface="Gotham Book" charset="0"/>
+                <a:ea typeface="ＭＳ Ｐゴシック" charset="-128"/>
+                <a:cs typeface="ＭＳ Ｐゴシック" charset="-128"/>
+              </a:defRPr>
+            </a:lvl8pPr>
+            <a:lvl9pPr marL="1828800" algn="ctr" defTabSz="457200" rtl="0" eaLnBrk="1" fontAlgn="base" hangingPunct="1">
+              <a:spcBef>
+                <a:spcPct val="0"/>
+              </a:spcBef>
+              <a:spcAft>
+                <a:spcPct val="0"/>
+              </a:spcAft>
+              <a:defRPr sz="4400">
+                <a:solidFill>
+                  <a:schemeClr val="tx1"/>
+                </a:solidFill>
+                <a:latin typeface="Gotham Book" charset="0"/>
+                <a:ea typeface="ＭＳ Ｐゴシック" charset="-128"/>
+                <a:cs typeface="ＭＳ Ｐゴシック" charset="-128"/>
+              </a:defRPr>
+            </a:lvl9pPr>
+          </a:lstStyle>
+          <a:p>
+            <a:r>
+              <a:rPr lang="en-US" altLang="zh-CN" sz="3500" dirty="0">
+                <a:solidFill>
+                  <a:schemeClr val="bg1"/>
+                </a:solidFill>
+              </a:rPr>
+              <a:t>Topics</a:t>
+            </a:r>
+            <a:endParaRPr lang="en-US" sz="3500" dirty="0">
+              <a:solidFill>
+                <a:schemeClr val="bg1"/>
+              </a:solidFill>
+            </a:endParaRPr>
+          </a:p>
+        </p:txBody>
+      </p:sp>
+      <p:pic>
+        <p:nvPicPr>
+          <p:cNvPr id="3" name="Picture 2" descr="Text&#10;&#10;Description automatically generated">
+            <a:extLst>
+              <a:ext uri="{FF2B5EF4-FFF2-40B4-BE49-F238E27FC236}">
+                <a16:creationId xmlns:a16="http://schemas.microsoft.com/office/drawing/2014/main" id="{B000805F-5662-E0FE-675C-7717C0E3D644}"/>
+              </a:ext>
+            </a:extLst>
+          </p:cNvPr>
+          <p:cNvPicPr>
+            <a:picLocks noChangeAspect="1"/>
+          </p:cNvPicPr>
+          <p:nvPr/>
+        </p:nvPicPr>
+        <p:blipFill>
+          <a:blip r:embed="rId3"/>
+          <a:stretch>
+            <a:fillRect/>
+          </a:stretch>
+        </p:blipFill>
+        <p:spPr>
+          <a:xfrm>
+            <a:off x="196166" y="1610819"/>
+            <a:ext cx="5265397" cy="3847005"/>
+          </a:xfrm>
+          <a:prstGeom prst="rect">
+            <a:avLst/>
+          </a:prstGeom>
+        </p:spPr>
+      </p:pic>
+    </p:spTree>
+    <p:extLst>
+      <p:ext uri="{BB962C8B-B14F-4D97-AF65-F5344CB8AC3E}">
+        <p14:creationId xmlns:p14="http://schemas.microsoft.com/office/powerpoint/2010/main" val="3460812320"/>
+      </p:ext>
+    </p:extLst>
+  </p:cSld>
+  <p:clrMapOvr>
+    <a:masterClrMapping/>
+  </p:clrMapOvr>
+</p:sld>
+</file>
+
+<file path=ppt/slides/slide30.xml><?xml version="1.0" encoding="utf-8"?>
 <p:sld xmlns:a="http://schemas.openxmlformats.org/drawingml/2006/main" xmlns:r="http://schemas.openxmlformats.org/officeDocument/2006/relationships" xmlns:p="http://schemas.openxmlformats.org/presentationml/2006/main">
   <p:cSld>
     <p:spTree>
@@ -21325,6 +20027,333 @@
 </p:sld>
 </file>
 
+<file path=ppt/slides/slide31.xml><?xml version="1.0" encoding="utf-8"?>
+<p:sld xmlns:a="http://schemas.openxmlformats.org/drawingml/2006/main" xmlns:r="http://schemas.openxmlformats.org/officeDocument/2006/relationships" xmlns:p="http://schemas.openxmlformats.org/presentationml/2006/main">
+  <p:cSld>
+    <p:spTree>
+      <p:nvGrpSpPr>
+        <p:cNvPr id="1" name=""/>
+        <p:cNvGrpSpPr/>
+        <p:nvPr/>
+      </p:nvGrpSpPr>
+      <p:grpSpPr>
+        <a:xfrm>
+          <a:off x="0" y="0"/>
+          <a:ext cx="0" cy="0"/>
+          <a:chOff x="0" y="0"/>
+          <a:chExt cx="0" cy="0"/>
+        </a:xfrm>
+      </p:grpSpPr>
+      <p:sp>
+        <p:nvSpPr>
+          <p:cNvPr id="4" name="Footer Placeholder 3">
+            <a:extLst>
+              <a:ext uri="{FF2B5EF4-FFF2-40B4-BE49-F238E27FC236}">
+                <a16:creationId xmlns:a16="http://schemas.microsoft.com/office/drawing/2014/main" id="{268784AC-CBE3-4D90-86A9-29B7010FEAAC}"/>
+              </a:ext>
+            </a:extLst>
+          </p:cNvPr>
+          <p:cNvSpPr>
+            <a:spLocks noGrp="1"/>
+          </p:cNvSpPr>
+          <p:nvPr>
+            <p:ph type="ftr" sz="quarter" idx="11"/>
+          </p:nvPr>
+        </p:nvSpPr>
+        <p:spPr/>
+        <p:txBody>
+          <a:bodyPr/>
+          <a:lstStyle/>
+          <a:p>
+            <a:pPr>
+              <a:defRPr/>
+            </a:pPr>
+            <a:r>
+              <a:rPr lang="es-ES" dirty="0"/>
+              <a:t>Yuying Xie</a:t>
+            </a:r>
+            <a:endParaRPr lang="en-US" dirty="0"/>
+          </a:p>
+        </p:txBody>
+      </p:sp>
+      <p:sp>
+        <p:nvSpPr>
+          <p:cNvPr id="5" name="Title 1">
+            <a:extLst>
+              <a:ext uri="{FF2B5EF4-FFF2-40B4-BE49-F238E27FC236}">
+                <a16:creationId xmlns:a16="http://schemas.microsoft.com/office/drawing/2014/main" id="{A07B4E21-E2F7-4D3A-B701-98F769AE9D23}"/>
+              </a:ext>
+            </a:extLst>
+          </p:cNvPr>
+          <p:cNvSpPr txBox="1">
+            <a:spLocks/>
+          </p:cNvSpPr>
+          <p:nvPr/>
+        </p:nvSpPr>
+        <p:spPr>
+          <a:xfrm>
+            <a:off x="196166" y="-89109"/>
+            <a:ext cx="6477000" cy="990600"/>
+          </a:xfrm>
+          <a:prstGeom prst="rect">
+            <a:avLst/>
+          </a:prstGeom>
+        </p:spPr>
+        <p:txBody>
+          <a:bodyPr>
+            <a:normAutofit/>
+          </a:bodyPr>
+          <a:lstStyle>
+            <a:lvl1pPr algn="l" defTabSz="457200" rtl="0" eaLnBrk="1" fontAlgn="base" hangingPunct="1">
+              <a:spcBef>
+                <a:spcPct val="0"/>
+              </a:spcBef>
+              <a:spcAft>
+                <a:spcPct val="0"/>
+              </a:spcAft>
+              <a:defRPr sz="3600" b="0" i="0" kern="1200" baseline="0">
+                <a:solidFill>
+                  <a:srgbClr val="18453B"/>
+                </a:solidFill>
+                <a:latin typeface="Gotham-Bold"/>
+                <a:ea typeface="ＭＳ Ｐゴシック" charset="-128"/>
+                <a:cs typeface="Gotham-Bold"/>
+              </a:defRPr>
+            </a:lvl1pPr>
+            <a:lvl2pPr algn="ctr" defTabSz="457200" rtl="0" eaLnBrk="1" fontAlgn="base" hangingPunct="1">
+              <a:spcBef>
+                <a:spcPct val="0"/>
+              </a:spcBef>
+              <a:spcAft>
+                <a:spcPct val="0"/>
+              </a:spcAft>
+              <a:defRPr sz="4400">
+                <a:solidFill>
+                  <a:schemeClr val="tx1"/>
+                </a:solidFill>
+                <a:latin typeface="Gotham Book" charset="0"/>
+                <a:ea typeface="ＭＳ Ｐゴシック" charset="-128"/>
+                <a:cs typeface="ＭＳ Ｐゴシック" charset="-128"/>
+              </a:defRPr>
+            </a:lvl2pPr>
+            <a:lvl3pPr algn="ctr" defTabSz="457200" rtl="0" eaLnBrk="1" fontAlgn="base" hangingPunct="1">
+              <a:spcBef>
+                <a:spcPct val="0"/>
+              </a:spcBef>
+              <a:spcAft>
+                <a:spcPct val="0"/>
+              </a:spcAft>
+              <a:defRPr sz="4400">
+                <a:solidFill>
+                  <a:schemeClr val="tx1"/>
+                </a:solidFill>
+                <a:latin typeface="Gotham Book" charset="0"/>
+                <a:ea typeface="ＭＳ Ｐゴシック" charset="-128"/>
+                <a:cs typeface="ＭＳ Ｐゴシック" charset="-128"/>
+              </a:defRPr>
+            </a:lvl3pPr>
+            <a:lvl4pPr algn="ctr" defTabSz="457200" rtl="0" eaLnBrk="1" fontAlgn="base" hangingPunct="1">
+              <a:spcBef>
+                <a:spcPct val="0"/>
+              </a:spcBef>
+              <a:spcAft>
+                <a:spcPct val="0"/>
+              </a:spcAft>
+              <a:defRPr sz="4400">
+                <a:solidFill>
+                  <a:schemeClr val="tx1"/>
+                </a:solidFill>
+                <a:latin typeface="Gotham Book" charset="0"/>
+                <a:ea typeface="ＭＳ Ｐゴシック" charset="-128"/>
+                <a:cs typeface="ＭＳ Ｐゴシック" charset="-128"/>
+              </a:defRPr>
+            </a:lvl4pPr>
+            <a:lvl5pPr algn="ctr" defTabSz="457200" rtl="0" eaLnBrk="1" fontAlgn="base" hangingPunct="1">
+              <a:spcBef>
+                <a:spcPct val="0"/>
+              </a:spcBef>
+              <a:spcAft>
+                <a:spcPct val="0"/>
+              </a:spcAft>
+              <a:defRPr sz="4400">
+                <a:solidFill>
+                  <a:schemeClr val="tx1"/>
+                </a:solidFill>
+                <a:latin typeface="Gotham Book" charset="0"/>
+                <a:ea typeface="ＭＳ Ｐゴシック" charset="-128"/>
+                <a:cs typeface="ＭＳ Ｐゴシック" charset="-128"/>
+              </a:defRPr>
+            </a:lvl5pPr>
+            <a:lvl6pPr marL="457200" algn="ctr" defTabSz="457200" rtl="0" eaLnBrk="1" fontAlgn="base" hangingPunct="1">
+              <a:spcBef>
+                <a:spcPct val="0"/>
+              </a:spcBef>
+              <a:spcAft>
+                <a:spcPct val="0"/>
+              </a:spcAft>
+              <a:defRPr sz="4400">
+                <a:solidFill>
+                  <a:schemeClr val="tx1"/>
+                </a:solidFill>
+                <a:latin typeface="Gotham Book" charset="0"/>
+                <a:ea typeface="ＭＳ Ｐゴシック" charset="-128"/>
+                <a:cs typeface="ＭＳ Ｐゴシック" charset="-128"/>
+              </a:defRPr>
+            </a:lvl6pPr>
+            <a:lvl7pPr marL="914400" algn="ctr" defTabSz="457200" rtl="0" eaLnBrk="1" fontAlgn="base" hangingPunct="1">
+              <a:spcBef>
+                <a:spcPct val="0"/>
+              </a:spcBef>
+              <a:spcAft>
+                <a:spcPct val="0"/>
+              </a:spcAft>
+              <a:defRPr sz="4400">
+                <a:solidFill>
+                  <a:schemeClr val="tx1"/>
+                </a:solidFill>
+                <a:latin typeface="Gotham Book" charset="0"/>
+                <a:ea typeface="ＭＳ Ｐゴシック" charset="-128"/>
+                <a:cs typeface="ＭＳ Ｐゴシック" charset="-128"/>
+              </a:defRPr>
+            </a:lvl7pPr>
+            <a:lvl8pPr marL="1371600" algn="ctr" defTabSz="457200" rtl="0" eaLnBrk="1" fontAlgn="base" hangingPunct="1">
+              <a:spcBef>
+                <a:spcPct val="0"/>
+              </a:spcBef>
+              <a:spcAft>
+                <a:spcPct val="0"/>
+              </a:spcAft>
+              <a:defRPr sz="4400">
+                <a:solidFill>
+                  <a:schemeClr val="tx1"/>
+                </a:solidFill>
+                <a:latin typeface="Gotham Book" charset="0"/>
+                <a:ea typeface="ＭＳ Ｐゴシック" charset="-128"/>
+                <a:cs typeface="ＭＳ Ｐゴシック" charset="-128"/>
+              </a:defRPr>
+            </a:lvl8pPr>
+            <a:lvl9pPr marL="1828800" algn="ctr" defTabSz="457200" rtl="0" eaLnBrk="1" fontAlgn="base" hangingPunct="1">
+              <a:spcBef>
+                <a:spcPct val="0"/>
+              </a:spcBef>
+              <a:spcAft>
+                <a:spcPct val="0"/>
+              </a:spcAft>
+              <a:defRPr sz="4400">
+                <a:solidFill>
+                  <a:schemeClr val="tx1"/>
+                </a:solidFill>
+                <a:latin typeface="Gotham Book" charset="0"/>
+                <a:ea typeface="ＭＳ Ｐゴシック" charset="-128"/>
+                <a:cs typeface="ＭＳ Ｐゴシック" charset="-128"/>
+              </a:defRPr>
+            </a:lvl9pPr>
+          </a:lstStyle>
+          <a:p>
+            <a:r>
+              <a:rPr lang="en-US" altLang="zh-CN" sz="3500" dirty="0">
+                <a:solidFill>
+                  <a:schemeClr val="bg1"/>
+                </a:solidFill>
+              </a:rPr>
+              <a:t>Model selection</a:t>
+            </a:r>
+            <a:endParaRPr lang="en-US" sz="3500" dirty="0">
+              <a:solidFill>
+                <a:schemeClr val="bg1"/>
+              </a:solidFill>
+            </a:endParaRPr>
+          </a:p>
+        </p:txBody>
+      </p:sp>
+      <p:sp>
+        <p:nvSpPr>
+          <p:cNvPr id="6" name="Content Placeholder 2">
+            <a:extLst>
+              <a:ext uri="{FF2B5EF4-FFF2-40B4-BE49-F238E27FC236}">
+                <a16:creationId xmlns:a16="http://schemas.microsoft.com/office/drawing/2014/main" id="{6057D9B4-4814-4ED6-90C2-A2D1414BAC77}"/>
+              </a:ext>
+            </a:extLst>
+          </p:cNvPr>
+          <p:cNvSpPr>
+            <a:spLocks noGrp="1"/>
+          </p:cNvSpPr>
+          <p:nvPr>
+            <p:ph idx="1"/>
+          </p:nvPr>
+        </p:nvSpPr>
+        <p:spPr>
+          <a:xfrm>
+            <a:off x="274159" y="796950"/>
+            <a:ext cx="8433582" cy="4111111"/>
+          </a:xfrm>
+        </p:spPr>
+        <p:txBody>
+          <a:bodyPr/>
+          <a:lstStyle/>
+          <a:p>
+            <a:pPr lvl="1" indent="-342900"/>
+            <a:r>
+              <a:rPr lang="en-US" sz="2000" dirty="0">
+                <a:solidFill>
+                  <a:srgbClr val="064339"/>
+                </a:solidFill>
+              </a:rPr>
+              <a:t>Other methods including Mallow C</a:t>
+            </a:r>
+            <a:r>
+              <a:rPr lang="en-US" sz="2000" baseline="-25000" dirty="0">
+                <a:solidFill>
+                  <a:srgbClr val="064339"/>
+                </a:solidFill>
+              </a:rPr>
+              <a:t>p</a:t>
+            </a:r>
+            <a:r>
+              <a:rPr lang="en-US" sz="2000" dirty="0">
+                <a:solidFill>
+                  <a:srgbClr val="064339"/>
+                </a:solidFill>
+              </a:rPr>
+              <a:t>,  AIC, BIC, adjust R2 and Cross-validation (CV)</a:t>
+            </a:r>
+            <a:endParaRPr lang="en-US" dirty="0">
+              <a:solidFill>
+                <a:srgbClr val="064339"/>
+              </a:solidFill>
+            </a:endParaRPr>
+          </a:p>
+          <a:p>
+            <a:pPr lvl="1" indent="-342900"/>
+            <a:endParaRPr lang="en-US" dirty="0">
+              <a:solidFill>
+                <a:srgbClr val="064339"/>
+              </a:solidFill>
+            </a:endParaRPr>
+          </a:p>
+          <a:p>
+            <a:pPr lvl="1" indent="-342900"/>
+            <a:endParaRPr lang="en-US" dirty="0">
+              <a:solidFill>
+                <a:srgbClr val="064339"/>
+              </a:solidFill>
+            </a:endParaRPr>
+          </a:p>
+        </p:txBody>
+      </p:sp>
+    </p:spTree>
+    <p:extLst>
+      <p:ext uri="{BB962C8B-B14F-4D97-AF65-F5344CB8AC3E}">
+        <p14:creationId xmlns:p14="http://schemas.microsoft.com/office/powerpoint/2010/main" val="1309648571"/>
+      </p:ext>
+    </p:extLst>
+  </p:cSld>
+  <p:clrMapOvr>
+    <a:masterClrMapping/>
+  </p:clrMapOvr>
+</p:sld>
+</file>
+
 <file path=ppt/slides/slide32.xml><?xml version="1.0" encoding="utf-8"?>
 <p:sld xmlns:a="http://schemas.openxmlformats.org/drawingml/2006/main" xmlns:r="http://schemas.openxmlformats.org/officeDocument/2006/relationships" xmlns:p="http://schemas.openxmlformats.org/presentationml/2006/main">
   <p:cSld>
@@ -21391,333 +20420,6 @@
         <p:spPr>
           <a:xfrm>
             <a:off x="196166" y="-89109"/>
-            <a:ext cx="6477000" cy="990600"/>
-          </a:xfrm>
-          <a:prstGeom prst="rect">
-            <a:avLst/>
-          </a:prstGeom>
-        </p:spPr>
-        <p:txBody>
-          <a:bodyPr>
-            <a:normAutofit/>
-          </a:bodyPr>
-          <a:lstStyle>
-            <a:lvl1pPr algn="l" defTabSz="457200" rtl="0" eaLnBrk="1" fontAlgn="base" hangingPunct="1">
-              <a:spcBef>
-                <a:spcPct val="0"/>
-              </a:spcBef>
-              <a:spcAft>
-                <a:spcPct val="0"/>
-              </a:spcAft>
-              <a:defRPr sz="3600" b="0" i="0" kern="1200" baseline="0">
-                <a:solidFill>
-                  <a:srgbClr val="18453B"/>
-                </a:solidFill>
-                <a:latin typeface="Gotham-Bold"/>
-                <a:ea typeface="ＭＳ Ｐゴシック" charset="-128"/>
-                <a:cs typeface="Gotham-Bold"/>
-              </a:defRPr>
-            </a:lvl1pPr>
-            <a:lvl2pPr algn="ctr" defTabSz="457200" rtl="0" eaLnBrk="1" fontAlgn="base" hangingPunct="1">
-              <a:spcBef>
-                <a:spcPct val="0"/>
-              </a:spcBef>
-              <a:spcAft>
-                <a:spcPct val="0"/>
-              </a:spcAft>
-              <a:defRPr sz="4400">
-                <a:solidFill>
-                  <a:schemeClr val="tx1"/>
-                </a:solidFill>
-                <a:latin typeface="Gotham Book" charset="0"/>
-                <a:ea typeface="ＭＳ Ｐゴシック" charset="-128"/>
-                <a:cs typeface="ＭＳ Ｐゴシック" charset="-128"/>
-              </a:defRPr>
-            </a:lvl2pPr>
-            <a:lvl3pPr algn="ctr" defTabSz="457200" rtl="0" eaLnBrk="1" fontAlgn="base" hangingPunct="1">
-              <a:spcBef>
-                <a:spcPct val="0"/>
-              </a:spcBef>
-              <a:spcAft>
-                <a:spcPct val="0"/>
-              </a:spcAft>
-              <a:defRPr sz="4400">
-                <a:solidFill>
-                  <a:schemeClr val="tx1"/>
-                </a:solidFill>
-                <a:latin typeface="Gotham Book" charset="0"/>
-                <a:ea typeface="ＭＳ Ｐゴシック" charset="-128"/>
-                <a:cs typeface="ＭＳ Ｐゴシック" charset="-128"/>
-              </a:defRPr>
-            </a:lvl3pPr>
-            <a:lvl4pPr algn="ctr" defTabSz="457200" rtl="0" eaLnBrk="1" fontAlgn="base" hangingPunct="1">
-              <a:spcBef>
-                <a:spcPct val="0"/>
-              </a:spcBef>
-              <a:spcAft>
-                <a:spcPct val="0"/>
-              </a:spcAft>
-              <a:defRPr sz="4400">
-                <a:solidFill>
-                  <a:schemeClr val="tx1"/>
-                </a:solidFill>
-                <a:latin typeface="Gotham Book" charset="0"/>
-                <a:ea typeface="ＭＳ Ｐゴシック" charset="-128"/>
-                <a:cs typeface="ＭＳ Ｐゴシック" charset="-128"/>
-              </a:defRPr>
-            </a:lvl4pPr>
-            <a:lvl5pPr algn="ctr" defTabSz="457200" rtl="0" eaLnBrk="1" fontAlgn="base" hangingPunct="1">
-              <a:spcBef>
-                <a:spcPct val="0"/>
-              </a:spcBef>
-              <a:spcAft>
-                <a:spcPct val="0"/>
-              </a:spcAft>
-              <a:defRPr sz="4400">
-                <a:solidFill>
-                  <a:schemeClr val="tx1"/>
-                </a:solidFill>
-                <a:latin typeface="Gotham Book" charset="0"/>
-                <a:ea typeface="ＭＳ Ｐゴシック" charset="-128"/>
-                <a:cs typeface="ＭＳ Ｐゴシック" charset="-128"/>
-              </a:defRPr>
-            </a:lvl5pPr>
-            <a:lvl6pPr marL="457200" algn="ctr" defTabSz="457200" rtl="0" eaLnBrk="1" fontAlgn="base" hangingPunct="1">
-              <a:spcBef>
-                <a:spcPct val="0"/>
-              </a:spcBef>
-              <a:spcAft>
-                <a:spcPct val="0"/>
-              </a:spcAft>
-              <a:defRPr sz="4400">
-                <a:solidFill>
-                  <a:schemeClr val="tx1"/>
-                </a:solidFill>
-                <a:latin typeface="Gotham Book" charset="0"/>
-                <a:ea typeface="ＭＳ Ｐゴシック" charset="-128"/>
-                <a:cs typeface="ＭＳ Ｐゴシック" charset="-128"/>
-              </a:defRPr>
-            </a:lvl6pPr>
-            <a:lvl7pPr marL="914400" algn="ctr" defTabSz="457200" rtl="0" eaLnBrk="1" fontAlgn="base" hangingPunct="1">
-              <a:spcBef>
-                <a:spcPct val="0"/>
-              </a:spcBef>
-              <a:spcAft>
-                <a:spcPct val="0"/>
-              </a:spcAft>
-              <a:defRPr sz="4400">
-                <a:solidFill>
-                  <a:schemeClr val="tx1"/>
-                </a:solidFill>
-                <a:latin typeface="Gotham Book" charset="0"/>
-                <a:ea typeface="ＭＳ Ｐゴシック" charset="-128"/>
-                <a:cs typeface="ＭＳ Ｐゴシック" charset="-128"/>
-              </a:defRPr>
-            </a:lvl7pPr>
-            <a:lvl8pPr marL="1371600" algn="ctr" defTabSz="457200" rtl="0" eaLnBrk="1" fontAlgn="base" hangingPunct="1">
-              <a:spcBef>
-                <a:spcPct val="0"/>
-              </a:spcBef>
-              <a:spcAft>
-                <a:spcPct val="0"/>
-              </a:spcAft>
-              <a:defRPr sz="4400">
-                <a:solidFill>
-                  <a:schemeClr val="tx1"/>
-                </a:solidFill>
-                <a:latin typeface="Gotham Book" charset="0"/>
-                <a:ea typeface="ＭＳ Ｐゴシック" charset="-128"/>
-                <a:cs typeface="ＭＳ Ｐゴシック" charset="-128"/>
-              </a:defRPr>
-            </a:lvl8pPr>
-            <a:lvl9pPr marL="1828800" algn="ctr" defTabSz="457200" rtl="0" eaLnBrk="1" fontAlgn="base" hangingPunct="1">
-              <a:spcBef>
-                <a:spcPct val="0"/>
-              </a:spcBef>
-              <a:spcAft>
-                <a:spcPct val="0"/>
-              </a:spcAft>
-              <a:defRPr sz="4400">
-                <a:solidFill>
-                  <a:schemeClr val="tx1"/>
-                </a:solidFill>
-                <a:latin typeface="Gotham Book" charset="0"/>
-                <a:ea typeface="ＭＳ Ｐゴシック" charset="-128"/>
-                <a:cs typeface="ＭＳ Ｐゴシック" charset="-128"/>
-              </a:defRPr>
-            </a:lvl9pPr>
-          </a:lstStyle>
-          <a:p>
-            <a:r>
-              <a:rPr lang="en-US" altLang="zh-CN" sz="3500" dirty="0">
-                <a:solidFill>
-                  <a:schemeClr val="bg1"/>
-                </a:solidFill>
-              </a:rPr>
-              <a:t>Model selection</a:t>
-            </a:r>
-            <a:endParaRPr lang="en-US" sz="3500" dirty="0">
-              <a:solidFill>
-                <a:schemeClr val="bg1"/>
-              </a:solidFill>
-            </a:endParaRPr>
-          </a:p>
-        </p:txBody>
-      </p:sp>
-      <p:sp>
-        <p:nvSpPr>
-          <p:cNvPr id="6" name="Content Placeholder 2">
-            <a:extLst>
-              <a:ext uri="{FF2B5EF4-FFF2-40B4-BE49-F238E27FC236}">
-                <a16:creationId xmlns:a16="http://schemas.microsoft.com/office/drawing/2014/main" id="{6057D9B4-4814-4ED6-90C2-A2D1414BAC77}"/>
-              </a:ext>
-            </a:extLst>
-          </p:cNvPr>
-          <p:cNvSpPr>
-            <a:spLocks noGrp="1"/>
-          </p:cNvSpPr>
-          <p:nvPr>
-            <p:ph idx="1"/>
-          </p:nvPr>
-        </p:nvSpPr>
-        <p:spPr>
-          <a:xfrm>
-            <a:off x="274159" y="796950"/>
-            <a:ext cx="8433582" cy="4111111"/>
-          </a:xfrm>
-        </p:spPr>
-        <p:txBody>
-          <a:bodyPr/>
-          <a:lstStyle/>
-          <a:p>
-            <a:pPr lvl="1" indent="-342900"/>
-            <a:r>
-              <a:rPr lang="en-US" sz="2000" dirty="0">
-                <a:solidFill>
-                  <a:srgbClr val="064339"/>
-                </a:solidFill>
-              </a:rPr>
-              <a:t>Other methods including Mallow C</a:t>
-            </a:r>
-            <a:r>
-              <a:rPr lang="en-US" sz="2000" baseline="-25000" dirty="0">
-                <a:solidFill>
-                  <a:srgbClr val="064339"/>
-                </a:solidFill>
-              </a:rPr>
-              <a:t>p</a:t>
-            </a:r>
-            <a:r>
-              <a:rPr lang="en-US" sz="2000" dirty="0">
-                <a:solidFill>
-                  <a:srgbClr val="064339"/>
-                </a:solidFill>
-              </a:rPr>
-              <a:t>,  AIC, BIC, adjust R2 and Cross-validation (CV)</a:t>
-            </a:r>
-            <a:endParaRPr lang="en-US" dirty="0">
-              <a:solidFill>
-                <a:srgbClr val="064339"/>
-              </a:solidFill>
-            </a:endParaRPr>
-          </a:p>
-          <a:p>
-            <a:pPr lvl="1" indent="-342900"/>
-            <a:endParaRPr lang="en-US" dirty="0">
-              <a:solidFill>
-                <a:srgbClr val="064339"/>
-              </a:solidFill>
-            </a:endParaRPr>
-          </a:p>
-          <a:p>
-            <a:pPr lvl="1" indent="-342900"/>
-            <a:endParaRPr lang="en-US" dirty="0">
-              <a:solidFill>
-                <a:srgbClr val="064339"/>
-              </a:solidFill>
-            </a:endParaRPr>
-          </a:p>
-        </p:txBody>
-      </p:sp>
-    </p:spTree>
-    <p:extLst>
-      <p:ext uri="{BB962C8B-B14F-4D97-AF65-F5344CB8AC3E}">
-        <p14:creationId xmlns:p14="http://schemas.microsoft.com/office/powerpoint/2010/main" val="1309648571"/>
-      </p:ext>
-    </p:extLst>
-  </p:cSld>
-  <p:clrMapOvr>
-    <a:masterClrMapping/>
-  </p:clrMapOvr>
-</p:sld>
-</file>
-
-<file path=ppt/slides/slide33.xml><?xml version="1.0" encoding="utf-8"?>
-<p:sld xmlns:a="http://schemas.openxmlformats.org/drawingml/2006/main" xmlns:r="http://schemas.openxmlformats.org/officeDocument/2006/relationships" xmlns:p="http://schemas.openxmlformats.org/presentationml/2006/main">
-  <p:cSld>
-    <p:spTree>
-      <p:nvGrpSpPr>
-        <p:cNvPr id="1" name=""/>
-        <p:cNvGrpSpPr/>
-        <p:nvPr/>
-      </p:nvGrpSpPr>
-      <p:grpSpPr>
-        <a:xfrm>
-          <a:off x="0" y="0"/>
-          <a:ext cx="0" cy="0"/>
-          <a:chOff x="0" y="0"/>
-          <a:chExt cx="0" cy="0"/>
-        </a:xfrm>
-      </p:grpSpPr>
-      <p:sp>
-        <p:nvSpPr>
-          <p:cNvPr id="4" name="Footer Placeholder 3">
-            <a:extLst>
-              <a:ext uri="{FF2B5EF4-FFF2-40B4-BE49-F238E27FC236}">
-                <a16:creationId xmlns:a16="http://schemas.microsoft.com/office/drawing/2014/main" id="{268784AC-CBE3-4D90-86A9-29B7010FEAAC}"/>
-              </a:ext>
-            </a:extLst>
-          </p:cNvPr>
-          <p:cNvSpPr>
-            <a:spLocks noGrp="1"/>
-          </p:cNvSpPr>
-          <p:nvPr>
-            <p:ph type="ftr" sz="quarter" idx="11"/>
-          </p:nvPr>
-        </p:nvSpPr>
-        <p:spPr/>
-        <p:txBody>
-          <a:bodyPr/>
-          <a:lstStyle/>
-          <a:p>
-            <a:pPr>
-              <a:defRPr/>
-            </a:pPr>
-            <a:r>
-              <a:rPr lang="es-ES" dirty="0"/>
-              <a:t>Yuying Xie</a:t>
-            </a:r>
-            <a:endParaRPr lang="en-US" dirty="0"/>
-          </a:p>
-        </p:txBody>
-      </p:sp>
-      <p:sp>
-        <p:nvSpPr>
-          <p:cNvPr id="5" name="Title 1">
-            <a:extLst>
-              <a:ext uri="{FF2B5EF4-FFF2-40B4-BE49-F238E27FC236}">
-                <a16:creationId xmlns:a16="http://schemas.microsoft.com/office/drawing/2014/main" id="{A07B4E21-E2F7-4D3A-B701-98F769AE9D23}"/>
-              </a:ext>
-            </a:extLst>
-          </p:cNvPr>
-          <p:cNvSpPr txBox="1">
-            <a:spLocks/>
-          </p:cNvSpPr>
-          <p:nvPr/>
-        </p:nvSpPr>
-        <p:spPr>
-          <a:xfrm>
-            <a:off x="196166" y="-89109"/>
             <a:ext cx="7428524" cy="990600"/>
           </a:xfrm>
           <a:prstGeom prst="rect">
@@ -21899,7 +20601,7 @@
 </p:sld>
 </file>
 
-<file path=ppt/slides/slide34.xml><?xml version="1.0" encoding="utf-8"?>
+<file path=ppt/slides/slide33.xml><?xml version="1.0" encoding="utf-8"?>
 <p:sld xmlns:a="http://schemas.openxmlformats.org/drawingml/2006/main" xmlns:r="http://schemas.openxmlformats.org/officeDocument/2006/relationships" xmlns:p="http://schemas.openxmlformats.org/presentationml/2006/main">
   <p:cSld>
     <p:spTree>
@@ -22449,7 +21151,7 @@
 </p:sld>
 </file>
 
-<file path=ppt/slides/slide35.xml><?xml version="1.0" encoding="utf-8"?>
+<file path=ppt/slides/slide34.xml><?xml version="1.0" encoding="utf-8"?>
 <p:sld xmlns:a="http://schemas.openxmlformats.org/drawingml/2006/main" xmlns:r="http://schemas.openxmlformats.org/officeDocument/2006/relationships" xmlns:p="http://schemas.openxmlformats.org/presentationml/2006/main">
   <p:cSld>
     <p:spTree>
@@ -23310,7 +22012,7 @@
 </p:sld>
 </file>
 
-<file path=ppt/slides/slide36.xml><?xml version="1.0" encoding="utf-8"?>
+<file path=ppt/slides/slide35.xml><?xml version="1.0" encoding="utf-8"?>
 <p:sld xmlns:a="http://schemas.openxmlformats.org/drawingml/2006/main" xmlns:r="http://schemas.openxmlformats.org/officeDocument/2006/relationships" xmlns:p="http://schemas.openxmlformats.org/presentationml/2006/main">
   <p:cSld>
     <p:spTree>
@@ -23592,7 +22294,7 @@
 </p:sld>
 </file>
 
-<file path=ppt/slides/slide37.xml><?xml version="1.0" encoding="utf-8"?>
+<file path=ppt/slides/slide36.xml><?xml version="1.0" encoding="utf-8"?>
 <p:sld xmlns:a="http://schemas.openxmlformats.org/drawingml/2006/main" xmlns:r="http://schemas.openxmlformats.org/officeDocument/2006/relationships" xmlns:p="http://schemas.openxmlformats.org/presentationml/2006/main">
   <p:cSld>
     <p:spTree>
@@ -24247,7 +22949,7 @@
 </p:sld>
 </file>
 
-<file path=ppt/slides/slide38.xml><?xml version="1.0" encoding="utf-8"?>
+<file path=ppt/slides/slide37.xml><?xml version="1.0" encoding="utf-8"?>
 <p:sld xmlns:a="http://schemas.openxmlformats.org/drawingml/2006/main" xmlns:r="http://schemas.openxmlformats.org/officeDocument/2006/relationships" xmlns:p="http://schemas.openxmlformats.org/presentationml/2006/main">
   <p:cSld>
     <p:spTree>
@@ -24863,7 +23565,7 @@
 </p:sld>
 </file>
 
-<file path=ppt/slides/slide39.xml><?xml version="1.0" encoding="utf-8"?>
+<file path=ppt/slides/slide38.xml><?xml version="1.0" encoding="utf-8"?>
 <p:sld xmlns:a="http://schemas.openxmlformats.org/drawingml/2006/main" xmlns:r="http://schemas.openxmlformats.org/officeDocument/2006/relationships" xmlns:p="http://schemas.openxmlformats.org/presentationml/2006/main">
   <p:cSld>
     <p:spTree>
@@ -25145,335 +23847,7 @@
 </p:sld>
 </file>
 
-<file path=ppt/slides/slide4.xml><?xml version="1.0" encoding="utf-8"?>
-<p:sld xmlns:a="http://schemas.openxmlformats.org/drawingml/2006/main" xmlns:r="http://schemas.openxmlformats.org/officeDocument/2006/relationships" xmlns:p="http://schemas.openxmlformats.org/presentationml/2006/main">
-  <p:cSld>
-    <p:spTree>
-      <p:nvGrpSpPr>
-        <p:cNvPr id="1" name=""/>
-        <p:cNvGrpSpPr/>
-        <p:nvPr/>
-      </p:nvGrpSpPr>
-      <p:grpSpPr>
-        <a:xfrm>
-          <a:off x="0" y="0"/>
-          <a:ext cx="0" cy="0"/>
-          <a:chOff x="0" y="0"/>
-          <a:chExt cx="0" cy="0"/>
-        </a:xfrm>
-      </p:grpSpPr>
-      <p:sp>
-        <p:nvSpPr>
-          <p:cNvPr id="4" name="Footer Placeholder 3">
-            <a:extLst>
-              <a:ext uri="{FF2B5EF4-FFF2-40B4-BE49-F238E27FC236}">
-                <a16:creationId xmlns:a16="http://schemas.microsoft.com/office/drawing/2014/main" id="{268784AC-CBE3-4D90-86A9-29B7010FEAAC}"/>
-              </a:ext>
-            </a:extLst>
-          </p:cNvPr>
-          <p:cNvSpPr>
-            <a:spLocks noGrp="1"/>
-          </p:cNvSpPr>
-          <p:nvPr>
-            <p:ph type="ftr" sz="quarter" idx="11"/>
-          </p:nvPr>
-        </p:nvSpPr>
-        <p:spPr/>
-        <p:txBody>
-          <a:bodyPr/>
-          <a:lstStyle/>
-          <a:p>
-            <a:pPr>
-              <a:defRPr/>
-            </a:pPr>
-            <a:r>
-              <a:rPr lang="es-ES" dirty="0"/>
-              <a:t>Yuying Xie</a:t>
-            </a:r>
-            <a:endParaRPr lang="en-US" dirty="0"/>
-          </a:p>
-        </p:txBody>
-      </p:sp>
-      <p:sp>
-        <p:nvSpPr>
-          <p:cNvPr id="5" name="Title 1">
-            <a:extLst>
-              <a:ext uri="{FF2B5EF4-FFF2-40B4-BE49-F238E27FC236}">
-                <a16:creationId xmlns:a16="http://schemas.microsoft.com/office/drawing/2014/main" id="{A07B4E21-E2F7-4D3A-B701-98F769AE9D23}"/>
-              </a:ext>
-            </a:extLst>
-          </p:cNvPr>
-          <p:cNvSpPr txBox="1">
-            <a:spLocks/>
-          </p:cNvSpPr>
-          <p:nvPr/>
-        </p:nvSpPr>
-        <p:spPr>
-          <a:xfrm>
-            <a:off x="196166" y="-89109"/>
-            <a:ext cx="6477000" cy="990600"/>
-          </a:xfrm>
-          <a:prstGeom prst="rect">
-            <a:avLst/>
-          </a:prstGeom>
-        </p:spPr>
-        <p:txBody>
-          <a:bodyPr>
-            <a:normAutofit/>
-          </a:bodyPr>
-          <a:lstStyle>
-            <a:lvl1pPr algn="l" defTabSz="457200" rtl="0" eaLnBrk="1" fontAlgn="base" hangingPunct="1">
-              <a:spcBef>
-                <a:spcPct val="0"/>
-              </a:spcBef>
-              <a:spcAft>
-                <a:spcPct val="0"/>
-              </a:spcAft>
-              <a:defRPr sz="3600" b="0" i="0" kern="1200" baseline="0">
-                <a:solidFill>
-                  <a:srgbClr val="18453B"/>
-                </a:solidFill>
-                <a:latin typeface="Gotham-Bold"/>
-                <a:ea typeface="ＭＳ Ｐゴシック" charset="-128"/>
-                <a:cs typeface="Gotham-Bold"/>
-              </a:defRPr>
-            </a:lvl1pPr>
-            <a:lvl2pPr algn="ctr" defTabSz="457200" rtl="0" eaLnBrk="1" fontAlgn="base" hangingPunct="1">
-              <a:spcBef>
-                <a:spcPct val="0"/>
-              </a:spcBef>
-              <a:spcAft>
-                <a:spcPct val="0"/>
-              </a:spcAft>
-              <a:defRPr sz="4400">
-                <a:solidFill>
-                  <a:schemeClr val="tx1"/>
-                </a:solidFill>
-                <a:latin typeface="Gotham Book" charset="0"/>
-                <a:ea typeface="ＭＳ Ｐゴシック" charset="-128"/>
-                <a:cs typeface="ＭＳ Ｐゴシック" charset="-128"/>
-              </a:defRPr>
-            </a:lvl2pPr>
-            <a:lvl3pPr algn="ctr" defTabSz="457200" rtl="0" eaLnBrk="1" fontAlgn="base" hangingPunct="1">
-              <a:spcBef>
-                <a:spcPct val="0"/>
-              </a:spcBef>
-              <a:spcAft>
-                <a:spcPct val="0"/>
-              </a:spcAft>
-              <a:defRPr sz="4400">
-                <a:solidFill>
-                  <a:schemeClr val="tx1"/>
-                </a:solidFill>
-                <a:latin typeface="Gotham Book" charset="0"/>
-                <a:ea typeface="ＭＳ Ｐゴシック" charset="-128"/>
-                <a:cs typeface="ＭＳ Ｐゴシック" charset="-128"/>
-              </a:defRPr>
-            </a:lvl3pPr>
-            <a:lvl4pPr algn="ctr" defTabSz="457200" rtl="0" eaLnBrk="1" fontAlgn="base" hangingPunct="1">
-              <a:spcBef>
-                <a:spcPct val="0"/>
-              </a:spcBef>
-              <a:spcAft>
-                <a:spcPct val="0"/>
-              </a:spcAft>
-              <a:defRPr sz="4400">
-                <a:solidFill>
-                  <a:schemeClr val="tx1"/>
-                </a:solidFill>
-                <a:latin typeface="Gotham Book" charset="0"/>
-                <a:ea typeface="ＭＳ Ｐゴシック" charset="-128"/>
-                <a:cs typeface="ＭＳ Ｐゴシック" charset="-128"/>
-              </a:defRPr>
-            </a:lvl4pPr>
-            <a:lvl5pPr algn="ctr" defTabSz="457200" rtl="0" eaLnBrk="1" fontAlgn="base" hangingPunct="1">
-              <a:spcBef>
-                <a:spcPct val="0"/>
-              </a:spcBef>
-              <a:spcAft>
-                <a:spcPct val="0"/>
-              </a:spcAft>
-              <a:defRPr sz="4400">
-                <a:solidFill>
-                  <a:schemeClr val="tx1"/>
-                </a:solidFill>
-                <a:latin typeface="Gotham Book" charset="0"/>
-                <a:ea typeface="ＭＳ Ｐゴシック" charset="-128"/>
-                <a:cs typeface="ＭＳ Ｐゴシック" charset="-128"/>
-              </a:defRPr>
-            </a:lvl5pPr>
-            <a:lvl6pPr marL="457200" algn="ctr" defTabSz="457200" rtl="0" eaLnBrk="1" fontAlgn="base" hangingPunct="1">
-              <a:spcBef>
-                <a:spcPct val="0"/>
-              </a:spcBef>
-              <a:spcAft>
-                <a:spcPct val="0"/>
-              </a:spcAft>
-              <a:defRPr sz="4400">
-                <a:solidFill>
-                  <a:schemeClr val="tx1"/>
-                </a:solidFill>
-                <a:latin typeface="Gotham Book" charset="0"/>
-                <a:ea typeface="ＭＳ Ｐゴシック" charset="-128"/>
-                <a:cs typeface="ＭＳ Ｐゴシック" charset="-128"/>
-              </a:defRPr>
-            </a:lvl6pPr>
-            <a:lvl7pPr marL="914400" algn="ctr" defTabSz="457200" rtl="0" eaLnBrk="1" fontAlgn="base" hangingPunct="1">
-              <a:spcBef>
-                <a:spcPct val="0"/>
-              </a:spcBef>
-              <a:spcAft>
-                <a:spcPct val="0"/>
-              </a:spcAft>
-              <a:defRPr sz="4400">
-                <a:solidFill>
-                  <a:schemeClr val="tx1"/>
-                </a:solidFill>
-                <a:latin typeface="Gotham Book" charset="0"/>
-                <a:ea typeface="ＭＳ Ｐゴシック" charset="-128"/>
-                <a:cs typeface="ＭＳ Ｐゴシック" charset="-128"/>
-              </a:defRPr>
-            </a:lvl7pPr>
-            <a:lvl8pPr marL="1371600" algn="ctr" defTabSz="457200" rtl="0" eaLnBrk="1" fontAlgn="base" hangingPunct="1">
-              <a:spcBef>
-                <a:spcPct val="0"/>
-              </a:spcBef>
-              <a:spcAft>
-                <a:spcPct val="0"/>
-              </a:spcAft>
-              <a:defRPr sz="4400">
-                <a:solidFill>
-                  <a:schemeClr val="tx1"/>
-                </a:solidFill>
-                <a:latin typeface="Gotham Book" charset="0"/>
-                <a:ea typeface="ＭＳ Ｐゴシック" charset="-128"/>
-                <a:cs typeface="ＭＳ Ｐゴシック" charset="-128"/>
-              </a:defRPr>
-            </a:lvl8pPr>
-            <a:lvl9pPr marL="1828800" algn="ctr" defTabSz="457200" rtl="0" eaLnBrk="1" fontAlgn="base" hangingPunct="1">
-              <a:spcBef>
-                <a:spcPct val="0"/>
-              </a:spcBef>
-              <a:spcAft>
-                <a:spcPct val="0"/>
-              </a:spcAft>
-              <a:defRPr sz="4400">
-                <a:solidFill>
-                  <a:schemeClr val="tx1"/>
-                </a:solidFill>
-                <a:latin typeface="Gotham Book" charset="0"/>
-                <a:ea typeface="ＭＳ Ｐゴシック" charset="-128"/>
-                <a:cs typeface="ＭＳ Ｐゴシック" charset="-128"/>
-              </a:defRPr>
-            </a:lvl9pPr>
-          </a:lstStyle>
-          <a:p>
-            <a:r>
-              <a:rPr lang="en-US" altLang="zh-CN" sz="3500" dirty="0">
-                <a:solidFill>
-                  <a:schemeClr val="bg1"/>
-                </a:solidFill>
-              </a:rPr>
-              <a:t>Set</a:t>
-            </a:r>
-            <a:r>
-              <a:rPr lang="zh-CN" altLang="en-US" sz="3500" dirty="0">
-                <a:solidFill>
-                  <a:schemeClr val="bg1"/>
-                </a:solidFill>
-              </a:rPr>
-              <a:t> </a:t>
-            </a:r>
-            <a:r>
-              <a:rPr lang="en-US" altLang="zh-CN" sz="3500" dirty="0">
-                <a:solidFill>
-                  <a:schemeClr val="bg1"/>
-                </a:solidFill>
-              </a:rPr>
-              <a:t>up</a:t>
-            </a:r>
-            <a:endParaRPr lang="en-US" sz="3500" dirty="0">
-              <a:solidFill>
-                <a:schemeClr val="bg1"/>
-              </a:solidFill>
-            </a:endParaRPr>
-          </a:p>
-        </p:txBody>
-      </p:sp>
-      <p:pic>
-        <p:nvPicPr>
-          <p:cNvPr id="6" name="Picture 5">
-            <a:extLst>
-              <a:ext uri="{FF2B5EF4-FFF2-40B4-BE49-F238E27FC236}">
-                <a16:creationId xmlns:a16="http://schemas.microsoft.com/office/drawing/2014/main" id="{712427B3-2EE4-DF3A-8712-8199CFDC8CBA}"/>
-              </a:ext>
-            </a:extLst>
-          </p:cNvPr>
-          <p:cNvPicPr>
-            <a:picLocks noChangeAspect="1"/>
-          </p:cNvPicPr>
-          <p:nvPr/>
-        </p:nvPicPr>
-        <p:blipFill>
-          <a:blip r:embed="rId3"/>
-          <a:stretch>
-            <a:fillRect/>
-          </a:stretch>
-        </p:blipFill>
-        <p:spPr>
-          <a:xfrm>
-            <a:off x="1647371" y="1170018"/>
-            <a:ext cx="2924629" cy="466488"/>
-          </a:xfrm>
-          <a:prstGeom prst="rect">
-            <a:avLst/>
-          </a:prstGeom>
-        </p:spPr>
-      </p:pic>
-      <p:pic>
-        <p:nvPicPr>
-          <p:cNvPr id="8" name="Picture 7" descr="Chart, scatter chart&#10;&#10;Description automatically generated">
-            <a:extLst>
-              <a:ext uri="{FF2B5EF4-FFF2-40B4-BE49-F238E27FC236}">
-                <a16:creationId xmlns:a16="http://schemas.microsoft.com/office/drawing/2014/main" id="{70100A3C-8364-1C3D-5312-3A6C3727ACDA}"/>
-              </a:ext>
-            </a:extLst>
-          </p:cNvPr>
-          <p:cNvPicPr>
-            <a:picLocks noChangeAspect="1"/>
-          </p:cNvPicPr>
-          <p:nvPr/>
-        </p:nvPicPr>
-        <p:blipFill>
-          <a:blip r:embed="rId4"/>
-          <a:stretch>
-            <a:fillRect/>
-          </a:stretch>
-        </p:blipFill>
-        <p:spPr>
-          <a:xfrm>
-            <a:off x="1166261" y="1636506"/>
-            <a:ext cx="4536809" cy="4490983"/>
-          </a:xfrm>
-          <a:prstGeom prst="rect">
-            <a:avLst/>
-          </a:prstGeom>
-        </p:spPr>
-      </p:pic>
-    </p:spTree>
-    <p:extLst>
-      <p:ext uri="{BB962C8B-B14F-4D97-AF65-F5344CB8AC3E}">
-        <p14:creationId xmlns:p14="http://schemas.microsoft.com/office/powerpoint/2010/main" val="1622630434"/>
-      </p:ext>
-    </p:extLst>
-  </p:cSld>
-  <p:clrMapOvr>
-    <a:masterClrMapping/>
-  </p:clrMapOvr>
-</p:sld>
-</file>
-
-<file path=ppt/slides/slide40.xml><?xml version="1.0" encoding="utf-8"?>
+<file path=ppt/slides/slide39.xml><?xml version="1.0" encoding="utf-8"?>
 <p:sld xmlns:a="http://schemas.openxmlformats.org/drawingml/2006/main" xmlns:r="http://schemas.openxmlformats.org/officeDocument/2006/relationships" xmlns:p="http://schemas.openxmlformats.org/presentationml/2006/main">
   <p:cSld>
     <p:spTree>
@@ -26302,7 +24676,335 @@
 </p:sld>
 </file>
 
-<file path=ppt/slides/slide41.xml><?xml version="1.0" encoding="utf-8"?>
+<file path=ppt/slides/slide4.xml><?xml version="1.0" encoding="utf-8"?>
+<p:sld xmlns:a="http://schemas.openxmlformats.org/drawingml/2006/main" xmlns:r="http://schemas.openxmlformats.org/officeDocument/2006/relationships" xmlns:p="http://schemas.openxmlformats.org/presentationml/2006/main">
+  <p:cSld>
+    <p:spTree>
+      <p:nvGrpSpPr>
+        <p:cNvPr id="1" name=""/>
+        <p:cNvGrpSpPr/>
+        <p:nvPr/>
+      </p:nvGrpSpPr>
+      <p:grpSpPr>
+        <a:xfrm>
+          <a:off x="0" y="0"/>
+          <a:ext cx="0" cy="0"/>
+          <a:chOff x="0" y="0"/>
+          <a:chExt cx="0" cy="0"/>
+        </a:xfrm>
+      </p:grpSpPr>
+      <p:sp>
+        <p:nvSpPr>
+          <p:cNvPr id="4" name="Footer Placeholder 3">
+            <a:extLst>
+              <a:ext uri="{FF2B5EF4-FFF2-40B4-BE49-F238E27FC236}">
+                <a16:creationId xmlns:a16="http://schemas.microsoft.com/office/drawing/2014/main" id="{268784AC-CBE3-4D90-86A9-29B7010FEAAC}"/>
+              </a:ext>
+            </a:extLst>
+          </p:cNvPr>
+          <p:cNvSpPr>
+            <a:spLocks noGrp="1"/>
+          </p:cNvSpPr>
+          <p:nvPr>
+            <p:ph type="ftr" sz="quarter" idx="11"/>
+          </p:nvPr>
+        </p:nvSpPr>
+        <p:spPr/>
+        <p:txBody>
+          <a:bodyPr/>
+          <a:lstStyle/>
+          <a:p>
+            <a:pPr>
+              <a:defRPr/>
+            </a:pPr>
+            <a:r>
+              <a:rPr lang="es-ES" dirty="0"/>
+              <a:t>Yuying Xie</a:t>
+            </a:r>
+            <a:endParaRPr lang="en-US" dirty="0"/>
+          </a:p>
+        </p:txBody>
+      </p:sp>
+      <p:sp>
+        <p:nvSpPr>
+          <p:cNvPr id="5" name="Title 1">
+            <a:extLst>
+              <a:ext uri="{FF2B5EF4-FFF2-40B4-BE49-F238E27FC236}">
+                <a16:creationId xmlns:a16="http://schemas.microsoft.com/office/drawing/2014/main" id="{A07B4E21-E2F7-4D3A-B701-98F769AE9D23}"/>
+              </a:ext>
+            </a:extLst>
+          </p:cNvPr>
+          <p:cNvSpPr txBox="1">
+            <a:spLocks/>
+          </p:cNvSpPr>
+          <p:nvPr/>
+        </p:nvSpPr>
+        <p:spPr>
+          <a:xfrm>
+            <a:off x="196166" y="-89109"/>
+            <a:ext cx="6477000" cy="990600"/>
+          </a:xfrm>
+          <a:prstGeom prst="rect">
+            <a:avLst/>
+          </a:prstGeom>
+        </p:spPr>
+        <p:txBody>
+          <a:bodyPr>
+            <a:normAutofit/>
+          </a:bodyPr>
+          <a:lstStyle>
+            <a:lvl1pPr algn="l" defTabSz="457200" rtl="0" eaLnBrk="1" fontAlgn="base" hangingPunct="1">
+              <a:spcBef>
+                <a:spcPct val="0"/>
+              </a:spcBef>
+              <a:spcAft>
+                <a:spcPct val="0"/>
+              </a:spcAft>
+              <a:defRPr sz="3600" b="0" i="0" kern="1200" baseline="0">
+                <a:solidFill>
+                  <a:srgbClr val="18453B"/>
+                </a:solidFill>
+                <a:latin typeface="Gotham-Bold"/>
+                <a:ea typeface="ＭＳ Ｐゴシック" charset="-128"/>
+                <a:cs typeface="Gotham-Bold"/>
+              </a:defRPr>
+            </a:lvl1pPr>
+            <a:lvl2pPr algn="ctr" defTabSz="457200" rtl="0" eaLnBrk="1" fontAlgn="base" hangingPunct="1">
+              <a:spcBef>
+                <a:spcPct val="0"/>
+              </a:spcBef>
+              <a:spcAft>
+                <a:spcPct val="0"/>
+              </a:spcAft>
+              <a:defRPr sz="4400">
+                <a:solidFill>
+                  <a:schemeClr val="tx1"/>
+                </a:solidFill>
+                <a:latin typeface="Gotham Book" charset="0"/>
+                <a:ea typeface="ＭＳ Ｐゴシック" charset="-128"/>
+                <a:cs typeface="ＭＳ Ｐゴシック" charset="-128"/>
+              </a:defRPr>
+            </a:lvl2pPr>
+            <a:lvl3pPr algn="ctr" defTabSz="457200" rtl="0" eaLnBrk="1" fontAlgn="base" hangingPunct="1">
+              <a:spcBef>
+                <a:spcPct val="0"/>
+              </a:spcBef>
+              <a:spcAft>
+                <a:spcPct val="0"/>
+              </a:spcAft>
+              <a:defRPr sz="4400">
+                <a:solidFill>
+                  <a:schemeClr val="tx1"/>
+                </a:solidFill>
+                <a:latin typeface="Gotham Book" charset="0"/>
+                <a:ea typeface="ＭＳ Ｐゴシック" charset="-128"/>
+                <a:cs typeface="ＭＳ Ｐゴシック" charset="-128"/>
+              </a:defRPr>
+            </a:lvl3pPr>
+            <a:lvl4pPr algn="ctr" defTabSz="457200" rtl="0" eaLnBrk="1" fontAlgn="base" hangingPunct="1">
+              <a:spcBef>
+                <a:spcPct val="0"/>
+              </a:spcBef>
+              <a:spcAft>
+                <a:spcPct val="0"/>
+              </a:spcAft>
+              <a:defRPr sz="4400">
+                <a:solidFill>
+                  <a:schemeClr val="tx1"/>
+                </a:solidFill>
+                <a:latin typeface="Gotham Book" charset="0"/>
+                <a:ea typeface="ＭＳ Ｐゴシック" charset="-128"/>
+                <a:cs typeface="ＭＳ Ｐゴシック" charset="-128"/>
+              </a:defRPr>
+            </a:lvl4pPr>
+            <a:lvl5pPr algn="ctr" defTabSz="457200" rtl="0" eaLnBrk="1" fontAlgn="base" hangingPunct="1">
+              <a:spcBef>
+                <a:spcPct val="0"/>
+              </a:spcBef>
+              <a:spcAft>
+                <a:spcPct val="0"/>
+              </a:spcAft>
+              <a:defRPr sz="4400">
+                <a:solidFill>
+                  <a:schemeClr val="tx1"/>
+                </a:solidFill>
+                <a:latin typeface="Gotham Book" charset="0"/>
+                <a:ea typeface="ＭＳ Ｐゴシック" charset="-128"/>
+                <a:cs typeface="ＭＳ Ｐゴシック" charset="-128"/>
+              </a:defRPr>
+            </a:lvl5pPr>
+            <a:lvl6pPr marL="457200" algn="ctr" defTabSz="457200" rtl="0" eaLnBrk="1" fontAlgn="base" hangingPunct="1">
+              <a:spcBef>
+                <a:spcPct val="0"/>
+              </a:spcBef>
+              <a:spcAft>
+                <a:spcPct val="0"/>
+              </a:spcAft>
+              <a:defRPr sz="4400">
+                <a:solidFill>
+                  <a:schemeClr val="tx1"/>
+                </a:solidFill>
+                <a:latin typeface="Gotham Book" charset="0"/>
+                <a:ea typeface="ＭＳ Ｐゴシック" charset="-128"/>
+                <a:cs typeface="ＭＳ Ｐゴシック" charset="-128"/>
+              </a:defRPr>
+            </a:lvl6pPr>
+            <a:lvl7pPr marL="914400" algn="ctr" defTabSz="457200" rtl="0" eaLnBrk="1" fontAlgn="base" hangingPunct="1">
+              <a:spcBef>
+                <a:spcPct val="0"/>
+              </a:spcBef>
+              <a:spcAft>
+                <a:spcPct val="0"/>
+              </a:spcAft>
+              <a:defRPr sz="4400">
+                <a:solidFill>
+                  <a:schemeClr val="tx1"/>
+                </a:solidFill>
+                <a:latin typeface="Gotham Book" charset="0"/>
+                <a:ea typeface="ＭＳ Ｐゴシック" charset="-128"/>
+                <a:cs typeface="ＭＳ Ｐゴシック" charset="-128"/>
+              </a:defRPr>
+            </a:lvl7pPr>
+            <a:lvl8pPr marL="1371600" algn="ctr" defTabSz="457200" rtl="0" eaLnBrk="1" fontAlgn="base" hangingPunct="1">
+              <a:spcBef>
+                <a:spcPct val="0"/>
+              </a:spcBef>
+              <a:spcAft>
+                <a:spcPct val="0"/>
+              </a:spcAft>
+              <a:defRPr sz="4400">
+                <a:solidFill>
+                  <a:schemeClr val="tx1"/>
+                </a:solidFill>
+                <a:latin typeface="Gotham Book" charset="0"/>
+                <a:ea typeface="ＭＳ Ｐゴシック" charset="-128"/>
+                <a:cs typeface="ＭＳ Ｐゴシック" charset="-128"/>
+              </a:defRPr>
+            </a:lvl8pPr>
+            <a:lvl9pPr marL="1828800" algn="ctr" defTabSz="457200" rtl="0" eaLnBrk="1" fontAlgn="base" hangingPunct="1">
+              <a:spcBef>
+                <a:spcPct val="0"/>
+              </a:spcBef>
+              <a:spcAft>
+                <a:spcPct val="0"/>
+              </a:spcAft>
+              <a:defRPr sz="4400">
+                <a:solidFill>
+                  <a:schemeClr val="tx1"/>
+                </a:solidFill>
+                <a:latin typeface="Gotham Book" charset="0"/>
+                <a:ea typeface="ＭＳ Ｐゴシック" charset="-128"/>
+                <a:cs typeface="ＭＳ Ｐゴシック" charset="-128"/>
+              </a:defRPr>
+            </a:lvl9pPr>
+          </a:lstStyle>
+          <a:p>
+            <a:r>
+              <a:rPr lang="en-US" altLang="zh-CN" sz="3500" dirty="0">
+                <a:solidFill>
+                  <a:schemeClr val="bg1"/>
+                </a:solidFill>
+              </a:rPr>
+              <a:t>Set</a:t>
+            </a:r>
+            <a:r>
+              <a:rPr lang="zh-CN" altLang="en-US" sz="3500" dirty="0">
+                <a:solidFill>
+                  <a:schemeClr val="bg1"/>
+                </a:solidFill>
+              </a:rPr>
+              <a:t> </a:t>
+            </a:r>
+            <a:r>
+              <a:rPr lang="en-US" altLang="zh-CN" sz="3500" dirty="0">
+                <a:solidFill>
+                  <a:schemeClr val="bg1"/>
+                </a:solidFill>
+              </a:rPr>
+              <a:t>up</a:t>
+            </a:r>
+            <a:endParaRPr lang="en-US" sz="3500" dirty="0">
+              <a:solidFill>
+                <a:schemeClr val="bg1"/>
+              </a:solidFill>
+            </a:endParaRPr>
+          </a:p>
+        </p:txBody>
+      </p:sp>
+      <p:pic>
+        <p:nvPicPr>
+          <p:cNvPr id="6" name="Picture 5">
+            <a:extLst>
+              <a:ext uri="{FF2B5EF4-FFF2-40B4-BE49-F238E27FC236}">
+                <a16:creationId xmlns:a16="http://schemas.microsoft.com/office/drawing/2014/main" id="{712427B3-2EE4-DF3A-8712-8199CFDC8CBA}"/>
+              </a:ext>
+            </a:extLst>
+          </p:cNvPr>
+          <p:cNvPicPr>
+            <a:picLocks noChangeAspect="1"/>
+          </p:cNvPicPr>
+          <p:nvPr/>
+        </p:nvPicPr>
+        <p:blipFill>
+          <a:blip r:embed="rId3"/>
+          <a:stretch>
+            <a:fillRect/>
+          </a:stretch>
+        </p:blipFill>
+        <p:spPr>
+          <a:xfrm>
+            <a:off x="1647371" y="1170018"/>
+            <a:ext cx="2924629" cy="466488"/>
+          </a:xfrm>
+          <a:prstGeom prst="rect">
+            <a:avLst/>
+          </a:prstGeom>
+        </p:spPr>
+      </p:pic>
+      <p:pic>
+        <p:nvPicPr>
+          <p:cNvPr id="8" name="Picture 7" descr="Chart, scatter chart&#10;&#10;Description automatically generated">
+            <a:extLst>
+              <a:ext uri="{FF2B5EF4-FFF2-40B4-BE49-F238E27FC236}">
+                <a16:creationId xmlns:a16="http://schemas.microsoft.com/office/drawing/2014/main" id="{70100A3C-8364-1C3D-5312-3A6C3727ACDA}"/>
+              </a:ext>
+            </a:extLst>
+          </p:cNvPr>
+          <p:cNvPicPr>
+            <a:picLocks noChangeAspect="1"/>
+          </p:cNvPicPr>
+          <p:nvPr/>
+        </p:nvPicPr>
+        <p:blipFill>
+          <a:blip r:embed="rId4"/>
+          <a:stretch>
+            <a:fillRect/>
+          </a:stretch>
+        </p:blipFill>
+        <p:spPr>
+          <a:xfrm>
+            <a:off x="1166261" y="1636506"/>
+            <a:ext cx="4536809" cy="4490983"/>
+          </a:xfrm>
+          <a:prstGeom prst="rect">
+            <a:avLst/>
+          </a:prstGeom>
+        </p:spPr>
+      </p:pic>
+    </p:spTree>
+    <p:extLst>
+      <p:ext uri="{BB962C8B-B14F-4D97-AF65-F5344CB8AC3E}">
+        <p14:creationId xmlns:p14="http://schemas.microsoft.com/office/powerpoint/2010/main" val="1622630434"/>
+      </p:ext>
+    </p:extLst>
+  </p:cSld>
+  <p:clrMapOvr>
+    <a:masterClrMapping/>
+  </p:clrMapOvr>
+</p:sld>
+</file>
+
+<file path=ppt/slides/slide40.xml><?xml version="1.0" encoding="utf-8"?>
 <p:sld xmlns:a="http://schemas.openxmlformats.org/drawingml/2006/main" xmlns:r="http://schemas.openxmlformats.org/officeDocument/2006/relationships" xmlns:p="http://schemas.openxmlformats.org/presentationml/2006/main">
   <p:cSld>
     <p:spTree>
@@ -27044,7 +25746,7 @@
 </p:sld>
 </file>
 
-<file path=ppt/slides/slide42.xml><?xml version="1.0" encoding="utf-8"?>
+<file path=ppt/slides/slide41.xml><?xml version="1.0" encoding="utf-8"?>
 <p:sld xmlns:a="http://schemas.openxmlformats.org/drawingml/2006/main" xmlns:r="http://schemas.openxmlformats.org/officeDocument/2006/relationships" xmlns:p="http://schemas.openxmlformats.org/presentationml/2006/main">
   <p:cSld>
     <p:spTree>
@@ -27767,7 +26469,7 @@
 </p:sld>
 </file>
 
-<file path=ppt/slides/slide43.xml><?xml version="1.0" encoding="utf-8"?>
+<file path=ppt/slides/slide42.xml><?xml version="1.0" encoding="utf-8"?>
 <p:sld xmlns:a="http://schemas.openxmlformats.org/drawingml/2006/main" xmlns:r="http://schemas.openxmlformats.org/officeDocument/2006/relationships" xmlns:p="http://schemas.openxmlformats.org/presentationml/2006/main">
   <p:cSld>
     <p:spTree>
@@ -28301,7 +27003,7 @@
 </p:sld>
 </file>
 
-<file path=ppt/slides/slide44.xml><?xml version="1.0" encoding="utf-8"?>
+<file path=ppt/slides/slide43.xml><?xml version="1.0" encoding="utf-8"?>
 <p:sld xmlns:a="http://schemas.openxmlformats.org/drawingml/2006/main" xmlns:r="http://schemas.openxmlformats.org/officeDocument/2006/relationships" xmlns:p="http://schemas.openxmlformats.org/presentationml/2006/main">
   <p:cSld>
     <p:spTree>
@@ -28893,7 +27595,7 @@
 </p:sld>
 </file>
 
-<file path=ppt/slides/slide45.xml><?xml version="1.0" encoding="utf-8"?>
+<file path=ppt/slides/slide44.xml><?xml version="1.0" encoding="utf-8"?>
 <p:sld xmlns:a="http://schemas.openxmlformats.org/drawingml/2006/main" xmlns:r="http://schemas.openxmlformats.org/officeDocument/2006/relationships" xmlns:p="http://schemas.openxmlformats.org/presentationml/2006/main">
   <p:cSld>
     <p:spTree>
@@ -29502,7 +28204,7 @@
 </p:sld>
 </file>
 
-<file path=ppt/slides/slide46.xml><?xml version="1.0" encoding="utf-8"?>
+<file path=ppt/slides/slide45.xml><?xml version="1.0" encoding="utf-8"?>
 <p:sld xmlns:a="http://schemas.openxmlformats.org/drawingml/2006/main" xmlns:r="http://schemas.openxmlformats.org/officeDocument/2006/relationships" xmlns:p="http://schemas.openxmlformats.org/presentationml/2006/main">
   <p:cSld>
     <p:spTree>
@@ -30119,7 +28821,7 @@
 </p:sld>
 </file>
 
-<file path=ppt/slides/slide47.xml><?xml version="1.0" encoding="utf-8"?>
+<file path=ppt/slides/slide46.xml><?xml version="1.0" encoding="utf-8"?>
 <p:sld xmlns:a="http://schemas.openxmlformats.org/drawingml/2006/main" xmlns:r="http://schemas.openxmlformats.org/officeDocument/2006/relationships" xmlns:p="http://schemas.openxmlformats.org/presentationml/2006/main">
   <p:cSld>
     <p:spTree>
@@ -30369,7 +29071,7 @@
 </p:sld>
 </file>
 
-<file path=ppt/slides/slide48.xml><?xml version="1.0" encoding="utf-8"?>
+<file path=ppt/slides/slide47.xml><?xml version="1.0" encoding="utf-8"?>
 <p:sld xmlns:a="http://schemas.openxmlformats.org/drawingml/2006/main" xmlns:r="http://schemas.openxmlformats.org/officeDocument/2006/relationships" xmlns:p="http://schemas.openxmlformats.org/presentationml/2006/main">
   <p:cSld>
     <p:spTree>
